--- a/CanberraRealEstateSales20072019_BenedictLaiman.pptx
+++ b/CanberraRealEstateSales20072019_BenedictLaiman.pptx
@@ -29,42 +29,41 @@
     <p:sldId id="283" r:id="rId23"/>
     <p:sldId id="281" r:id="rId24"/>
     <p:sldId id="277" r:id="rId25"/>
-    <p:sldId id="284" r:id="rId26"/>
-    <p:sldId id="285" r:id="rId27"/>
-    <p:sldId id="286" r:id="rId28"/>
-    <p:sldId id="287" r:id="rId29"/>
-    <p:sldId id="288" r:id="rId30"/>
-    <p:sldId id="289" r:id="rId31"/>
-    <p:sldId id="290" r:id="rId32"/>
-    <p:sldId id="291" r:id="rId33"/>
-    <p:sldId id="292" r:id="rId34"/>
-    <p:sldId id="293" r:id="rId35"/>
-    <p:sldId id="294" r:id="rId36"/>
-    <p:sldId id="295" r:id="rId37"/>
-    <p:sldId id="297" r:id="rId38"/>
-    <p:sldId id="298" r:id="rId39"/>
-    <p:sldId id="299" r:id="rId40"/>
-    <p:sldId id="300" r:id="rId41"/>
-    <p:sldId id="301" r:id="rId42"/>
-    <p:sldId id="302" r:id="rId43"/>
-    <p:sldId id="303" r:id="rId44"/>
-    <p:sldId id="304" r:id="rId45"/>
-    <p:sldId id="305" r:id="rId46"/>
-    <p:sldId id="306" r:id="rId47"/>
-    <p:sldId id="307" r:id="rId48"/>
-    <p:sldId id="312" r:id="rId49"/>
-    <p:sldId id="314" r:id="rId50"/>
-    <p:sldId id="315" r:id="rId51"/>
-    <p:sldId id="316" r:id="rId52"/>
-    <p:sldId id="317" r:id="rId53"/>
-    <p:sldId id="318" r:id="rId54"/>
-    <p:sldId id="319" r:id="rId55"/>
-    <p:sldId id="320" r:id="rId56"/>
-    <p:sldId id="322" r:id="rId57"/>
-    <p:sldId id="321" r:id="rId58"/>
-    <p:sldId id="323" r:id="rId59"/>
-    <p:sldId id="324" r:id="rId60"/>
-    <p:sldId id="325" r:id="rId61"/>
+    <p:sldId id="285" r:id="rId26"/>
+    <p:sldId id="286" r:id="rId27"/>
+    <p:sldId id="287" r:id="rId28"/>
+    <p:sldId id="288" r:id="rId29"/>
+    <p:sldId id="289" r:id="rId30"/>
+    <p:sldId id="290" r:id="rId31"/>
+    <p:sldId id="291" r:id="rId32"/>
+    <p:sldId id="292" r:id="rId33"/>
+    <p:sldId id="293" r:id="rId34"/>
+    <p:sldId id="294" r:id="rId35"/>
+    <p:sldId id="295" r:id="rId36"/>
+    <p:sldId id="297" r:id="rId37"/>
+    <p:sldId id="298" r:id="rId38"/>
+    <p:sldId id="299" r:id="rId39"/>
+    <p:sldId id="300" r:id="rId40"/>
+    <p:sldId id="301" r:id="rId41"/>
+    <p:sldId id="302" r:id="rId42"/>
+    <p:sldId id="303" r:id="rId43"/>
+    <p:sldId id="304" r:id="rId44"/>
+    <p:sldId id="305" r:id="rId45"/>
+    <p:sldId id="306" r:id="rId46"/>
+    <p:sldId id="307" r:id="rId47"/>
+    <p:sldId id="312" r:id="rId48"/>
+    <p:sldId id="314" r:id="rId49"/>
+    <p:sldId id="315" r:id="rId50"/>
+    <p:sldId id="316" r:id="rId51"/>
+    <p:sldId id="317" r:id="rId52"/>
+    <p:sldId id="318" r:id="rId53"/>
+    <p:sldId id="319" r:id="rId54"/>
+    <p:sldId id="320" r:id="rId55"/>
+    <p:sldId id="322" r:id="rId56"/>
+    <p:sldId id="321" r:id="rId57"/>
+    <p:sldId id="323" r:id="rId58"/>
+    <p:sldId id="324" r:id="rId59"/>
+    <p:sldId id="325" r:id="rId60"/>
   </p:sldIdLst>
   <p:sldSz cx="12192000" cy="6858000"/>
   <p:notesSz cx="6858000" cy="9144000"/>
@@ -171,6 +170,11 @@
             <a:srgbClr val="A4A3A4"/>
           </p15:clr>
         </p15:guide>
+        <p15:guide id="2" orient="horz" pos="2160">
+          <p15:clr>
+            <a:srgbClr val="A4A3A4"/>
+          </p15:clr>
+        </p15:guide>
       </p15:sldGuideLst>
     </p:ext>
   </p:extLst>
@@ -308,7 +312,7 @@
           <a:p>
             <a:fld id="{9EBECAA7-81A6-4CE0-A89B-96187A89FF81}" type="datetimeFigureOut">
               <a:rPr lang="id-ID" smtClean="0"/>
-              <a:t>23/02/2021</a:t>
+              <a:t>02/03/2021</a:t>
             </a:fld>
             <a:endParaRPr lang="id-ID"/>
           </a:p>
@@ -478,7 +482,7 @@
           <a:p>
             <a:fld id="{9EBECAA7-81A6-4CE0-A89B-96187A89FF81}" type="datetimeFigureOut">
               <a:rPr lang="id-ID" smtClean="0"/>
-              <a:t>23/02/2021</a:t>
+              <a:t>02/03/2021</a:t>
             </a:fld>
             <a:endParaRPr lang="id-ID"/>
           </a:p>
@@ -658,7 +662,7 @@
           <a:p>
             <a:fld id="{9EBECAA7-81A6-4CE0-A89B-96187A89FF81}" type="datetimeFigureOut">
               <a:rPr lang="id-ID" smtClean="0"/>
-              <a:t>23/02/2021</a:t>
+              <a:t>02/03/2021</a:t>
             </a:fld>
             <a:endParaRPr lang="id-ID"/>
           </a:p>
@@ -828,7 +832,7 @@
           <a:p>
             <a:fld id="{9EBECAA7-81A6-4CE0-A89B-96187A89FF81}" type="datetimeFigureOut">
               <a:rPr lang="id-ID" smtClean="0"/>
-              <a:t>23/02/2021</a:t>
+              <a:t>02/03/2021</a:t>
             </a:fld>
             <a:endParaRPr lang="id-ID"/>
           </a:p>
@@ -1074,7 +1078,7 @@
           <a:p>
             <a:fld id="{9EBECAA7-81A6-4CE0-A89B-96187A89FF81}" type="datetimeFigureOut">
               <a:rPr lang="id-ID" smtClean="0"/>
-              <a:t>23/02/2021</a:t>
+              <a:t>02/03/2021</a:t>
             </a:fld>
             <a:endParaRPr lang="id-ID"/>
           </a:p>
@@ -1306,7 +1310,7 @@
           <a:p>
             <a:fld id="{9EBECAA7-81A6-4CE0-A89B-96187A89FF81}" type="datetimeFigureOut">
               <a:rPr lang="id-ID" smtClean="0"/>
-              <a:t>23/02/2021</a:t>
+              <a:t>02/03/2021</a:t>
             </a:fld>
             <a:endParaRPr lang="id-ID"/>
           </a:p>
@@ -1673,7 +1677,7 @@
           <a:p>
             <a:fld id="{9EBECAA7-81A6-4CE0-A89B-96187A89FF81}" type="datetimeFigureOut">
               <a:rPr lang="id-ID" smtClean="0"/>
-              <a:t>23/02/2021</a:t>
+              <a:t>02/03/2021</a:t>
             </a:fld>
             <a:endParaRPr lang="id-ID"/>
           </a:p>
@@ -1791,7 +1795,7 @@
           <a:p>
             <a:fld id="{9EBECAA7-81A6-4CE0-A89B-96187A89FF81}" type="datetimeFigureOut">
               <a:rPr lang="id-ID" smtClean="0"/>
-              <a:t>23/02/2021</a:t>
+              <a:t>02/03/2021</a:t>
             </a:fld>
             <a:endParaRPr lang="id-ID"/>
           </a:p>
@@ -1886,7 +1890,7 @@
           <a:p>
             <a:fld id="{9EBECAA7-81A6-4CE0-A89B-96187A89FF81}" type="datetimeFigureOut">
               <a:rPr lang="id-ID" smtClean="0"/>
-              <a:t>23/02/2021</a:t>
+              <a:t>02/03/2021</a:t>
             </a:fld>
             <a:endParaRPr lang="id-ID"/>
           </a:p>
@@ -2163,7 +2167,7 @@
           <a:p>
             <a:fld id="{9EBECAA7-81A6-4CE0-A89B-96187A89FF81}" type="datetimeFigureOut">
               <a:rPr lang="id-ID" smtClean="0"/>
-              <a:t>23/02/2021</a:t>
+              <a:t>02/03/2021</a:t>
             </a:fld>
             <a:endParaRPr lang="id-ID"/>
           </a:p>
@@ -2416,7 +2420,7 @@
           <a:p>
             <a:fld id="{9EBECAA7-81A6-4CE0-A89B-96187A89FF81}" type="datetimeFigureOut">
               <a:rPr lang="id-ID" smtClean="0"/>
-              <a:t>23/02/2021</a:t>
+              <a:t>02/03/2021</a:t>
             </a:fld>
             <a:endParaRPr lang="id-ID"/>
           </a:p>
@@ -2629,7 +2633,7 @@
           <a:p>
             <a:fld id="{9EBECAA7-81A6-4CE0-A89B-96187A89FF81}" type="datetimeFigureOut">
               <a:rPr lang="id-ID" smtClean="0"/>
-              <a:t>23/02/2021</a:t>
+              <a:t>02/03/2021</a:t>
             </a:fld>
             <a:endParaRPr lang="id-ID"/>
           </a:p>
@@ -3123,13 +3127,13 @@
   <p:clrMapOvr>
     <a:masterClrMapping/>
   </p:clrMapOvr>
-  <mc:AlternateContent xmlns:mc="http://schemas.openxmlformats.org/markup-compatibility/2006">
-    <mc:Choice xmlns:p14="http://schemas.microsoft.com/office/powerpoint/2010/main" Requires="p14">
+  <mc:AlternateContent xmlns:mc="http://schemas.openxmlformats.org/markup-compatibility/2006" xmlns:p14="http://schemas.microsoft.com/office/powerpoint/2010/main">
+    <mc:Choice Requires="p14">
       <p:transition spd="med" p14:dur="700">
         <p:fade/>
       </p:transition>
     </mc:Choice>
-    <mc:Fallback>
+    <mc:Fallback xmlns="">
       <p:transition spd="med">
         <p:fade/>
       </p:transition>
@@ -3282,7 +3286,6 @@
               <a:rPr lang="en-US" sz="1200" dirty="0"/>
               <a:t>Determining Numerical and Categorical Features</a:t>
             </a:r>
-            <a:endParaRPr lang="en-US" sz="1200" dirty="0"/>
           </a:p>
         </p:txBody>
       </p:sp>
@@ -3320,13 +3323,13 @@
   <p:clrMapOvr>
     <a:masterClrMapping/>
   </p:clrMapOvr>
-  <mc:AlternateContent xmlns:mc="http://schemas.openxmlformats.org/markup-compatibility/2006">
-    <mc:Choice xmlns:p14="http://schemas.microsoft.com/office/powerpoint/2010/main" Requires="p14">
+  <mc:AlternateContent xmlns:mc="http://schemas.openxmlformats.org/markup-compatibility/2006" xmlns:p14="http://schemas.microsoft.com/office/powerpoint/2010/main">
+    <mc:Choice Requires="p14">
       <p:transition spd="med" p14:dur="700">
         <p:fade/>
       </p:transition>
     </mc:Choice>
-    <mc:Fallback>
+    <mc:Fallback xmlns="">
       <p:transition spd="med">
         <p:fade/>
       </p:transition>
@@ -3479,7 +3482,6 @@
               <a:rPr lang="en-US" sz="1200" dirty="0"/>
               <a:t>Checking the Distribution of the Datasets Numerical Features Through Bar Plots</a:t>
             </a:r>
-            <a:endParaRPr lang="en-US" sz="1200" dirty="0"/>
           </a:p>
         </p:txBody>
       </p:sp>
@@ -3661,13 +3663,13 @@
   <p:clrMapOvr>
     <a:masterClrMapping/>
   </p:clrMapOvr>
-  <mc:AlternateContent xmlns:mc="http://schemas.openxmlformats.org/markup-compatibility/2006">
-    <mc:Choice xmlns:p14="http://schemas.microsoft.com/office/powerpoint/2010/main" Requires="p14">
+  <mc:AlternateContent xmlns:mc="http://schemas.openxmlformats.org/markup-compatibility/2006" xmlns:p14="http://schemas.microsoft.com/office/powerpoint/2010/main">
+    <mc:Choice Requires="p14">
       <p:transition spd="med" p14:dur="700">
         <p:fade/>
       </p:transition>
     </mc:Choice>
-    <mc:Fallback>
+    <mc:Fallback xmlns="">
       <p:transition spd="med">
         <p:fade/>
       </p:transition>
@@ -3820,7 +3822,6 @@
               <a:rPr lang="en-US" sz="1200" dirty="0"/>
               <a:t>Using Scatter Plot to See the Relationship Between 'price' Column and Other Numerical Columns</a:t>
             </a:r>
-            <a:endParaRPr lang="en-US" sz="1200" dirty="0"/>
           </a:p>
         </p:txBody>
       </p:sp>
@@ -3930,13 +3931,13 @@
   <p:clrMapOvr>
     <a:masterClrMapping/>
   </p:clrMapOvr>
-  <mc:AlternateContent xmlns:mc="http://schemas.openxmlformats.org/markup-compatibility/2006">
-    <mc:Choice xmlns:p14="http://schemas.microsoft.com/office/powerpoint/2010/main" Requires="p14">
+  <mc:AlternateContent xmlns:mc="http://schemas.openxmlformats.org/markup-compatibility/2006" xmlns:p14="http://schemas.microsoft.com/office/powerpoint/2010/main">
+    <mc:Choice Requires="p14">
       <p:transition spd="med" p14:dur="700">
         <p:fade/>
       </p:transition>
     </mc:Choice>
-    <mc:Fallback>
+    <mc:Fallback xmlns="">
       <p:transition spd="med">
         <p:fade/>
       </p:transition>
@@ -4089,7 +4090,6 @@
               <a:rPr lang="en-US" sz="1200" dirty="0"/>
               <a:t>Using Scatter Plot to See the Relationship Between 'price' Column and Other Numerical Columns</a:t>
             </a:r>
-            <a:endParaRPr lang="en-US" sz="1200" dirty="0"/>
           </a:p>
         </p:txBody>
       </p:sp>
@@ -4199,13 +4199,13 @@
   <p:clrMapOvr>
     <a:masterClrMapping/>
   </p:clrMapOvr>
-  <mc:AlternateContent xmlns:mc="http://schemas.openxmlformats.org/markup-compatibility/2006">
-    <mc:Choice xmlns:p14="http://schemas.microsoft.com/office/powerpoint/2010/main" Requires="p14">
+  <mc:AlternateContent xmlns:mc="http://schemas.openxmlformats.org/markup-compatibility/2006" xmlns:p14="http://schemas.microsoft.com/office/powerpoint/2010/main">
+    <mc:Choice Requires="p14">
       <p:transition spd="med" p14:dur="700">
         <p:fade/>
       </p:transition>
     </mc:Choice>
-    <mc:Fallback>
+    <mc:Fallback xmlns="">
       <p:transition spd="med">
         <p:fade/>
       </p:transition>
@@ -4402,7 +4402,6 @@
               <a:rPr lang="en-US" dirty="0"/>
               <a:t> Features Through Describe Method</a:t>
             </a:r>
-            <a:endParaRPr lang="en-US" dirty="0"/>
           </a:p>
         </p:txBody>
       </p:sp>
@@ -4470,7 +4469,6 @@
               <a:rPr lang="id-ID" dirty="0"/>
               <a:t> Features Through Describe Method</a:t>
             </a:r>
-            <a:endParaRPr lang="id-ID" dirty="0"/>
           </a:p>
         </p:txBody>
       </p:sp>
@@ -4508,13 +4506,13 @@
   <p:clrMapOvr>
     <a:masterClrMapping/>
   </p:clrMapOvr>
-  <mc:AlternateContent xmlns:mc="http://schemas.openxmlformats.org/markup-compatibility/2006">
-    <mc:Choice xmlns:p14="http://schemas.microsoft.com/office/powerpoint/2010/main" Requires="p14">
+  <mc:AlternateContent xmlns:mc="http://schemas.openxmlformats.org/markup-compatibility/2006" xmlns:p14="http://schemas.microsoft.com/office/powerpoint/2010/main">
+    <mc:Choice Requires="p14">
       <p:transition spd="med" p14:dur="700">
         <p:fade/>
       </p:transition>
     </mc:Choice>
-    <mc:Fallback>
+    <mc:Fallback xmlns="">
       <p:transition spd="med">
         <p:fade/>
       </p:transition>
@@ -4741,7 +4739,6 @@
               <a:rPr lang="en-US" dirty="0"/>
               <a:t>.</a:t>
             </a:r>
-            <a:endParaRPr lang="en-US" dirty="0"/>
           </a:p>
         </p:txBody>
       </p:sp>
@@ -4803,13 +4800,13 @@
   <p:clrMapOvr>
     <a:masterClrMapping/>
   </p:clrMapOvr>
-  <mc:AlternateContent xmlns:mc="http://schemas.openxmlformats.org/markup-compatibility/2006">
-    <mc:Choice xmlns:p14="http://schemas.microsoft.com/office/powerpoint/2010/main" Requires="p14">
+  <mc:AlternateContent xmlns:mc="http://schemas.openxmlformats.org/markup-compatibility/2006" xmlns:p14="http://schemas.microsoft.com/office/powerpoint/2010/main">
+    <mc:Choice Requires="p14">
       <p:transition spd="med" p14:dur="700">
         <p:fade/>
       </p:transition>
     </mc:Choice>
-    <mc:Fallback>
+    <mc:Fallback xmlns="">
       <p:transition spd="med">
         <p:fade/>
       </p:transition>
@@ -5028,13 +5025,13 @@
   <p:clrMapOvr>
     <a:masterClrMapping/>
   </p:clrMapOvr>
-  <mc:AlternateContent xmlns:mc="http://schemas.openxmlformats.org/markup-compatibility/2006">
-    <mc:Choice xmlns:p14="http://schemas.microsoft.com/office/powerpoint/2010/main" Requires="p14">
+  <mc:AlternateContent xmlns:mc="http://schemas.openxmlformats.org/markup-compatibility/2006" xmlns:p14="http://schemas.microsoft.com/office/powerpoint/2010/main">
+    <mc:Choice Requires="p14">
       <p:transition spd="med" p14:dur="700">
         <p:fade/>
       </p:transition>
     </mc:Choice>
-    <mc:Fallback>
+    <mc:Fallback xmlns="">
       <p:transition spd="med">
         <p:fade/>
       </p:transition>
@@ -5293,13 +5290,13 @@
   <p:clrMapOvr>
     <a:masterClrMapping/>
   </p:clrMapOvr>
-  <mc:AlternateContent xmlns:mc="http://schemas.openxmlformats.org/markup-compatibility/2006">
-    <mc:Choice xmlns:p14="http://schemas.microsoft.com/office/powerpoint/2010/main" Requires="p14">
+  <mc:AlternateContent xmlns:mc="http://schemas.openxmlformats.org/markup-compatibility/2006" xmlns:p14="http://schemas.microsoft.com/office/powerpoint/2010/main">
+    <mc:Choice Requires="p14">
       <p:transition spd="med" p14:dur="700">
         <p:fade/>
       </p:transition>
     </mc:Choice>
-    <mc:Fallback>
+    <mc:Fallback xmlns="">
       <p:transition spd="med">
         <p:fade/>
       </p:transition>
@@ -5582,13 +5579,13 @@
   <p:clrMapOvr>
     <a:masterClrMapping/>
   </p:clrMapOvr>
-  <mc:AlternateContent xmlns:mc="http://schemas.openxmlformats.org/markup-compatibility/2006">
-    <mc:Choice xmlns:p14="http://schemas.microsoft.com/office/powerpoint/2010/main" Requires="p14">
+  <mc:AlternateContent xmlns:mc="http://schemas.openxmlformats.org/markup-compatibility/2006" xmlns:p14="http://schemas.microsoft.com/office/powerpoint/2010/main">
+    <mc:Choice Requires="p14">
       <p:transition spd="med" p14:dur="700">
         <p:fade/>
       </p:transition>
     </mc:Choice>
-    <mc:Fallback>
+    <mc:Fallback xmlns="">
       <p:transition spd="med">
         <p:fade/>
       </p:transition>
@@ -5793,7 +5790,6 @@
               <a:rPr lang="en-US" dirty="0"/>
               <a:t>and dropping it might reduce a lot of valuable information. It is a must to examine the dataset from feature to feature.</a:t>
             </a:r>
-            <a:endParaRPr lang="en-US" dirty="0"/>
           </a:p>
         </p:txBody>
       </p:sp>
@@ -5855,13 +5851,13 @@
   <p:clrMapOvr>
     <a:masterClrMapping/>
   </p:clrMapOvr>
-  <mc:AlternateContent xmlns:mc="http://schemas.openxmlformats.org/markup-compatibility/2006">
-    <mc:Choice xmlns:p14="http://schemas.microsoft.com/office/powerpoint/2010/main" Requires="p14">
+  <mc:AlternateContent xmlns:mc="http://schemas.openxmlformats.org/markup-compatibility/2006" xmlns:p14="http://schemas.microsoft.com/office/powerpoint/2010/main">
+    <mc:Choice Requires="p14">
       <p:transition spd="med" p14:dur="700">
         <p:fade/>
       </p:transition>
     </mc:Choice>
-    <mc:Fallback>
+    <mc:Fallback xmlns="">
       <p:transition spd="med">
         <p:fade/>
       </p:transition>
@@ -6086,7 +6082,6 @@
               <a:rPr lang="en-US" dirty="0"/>
               <a:t>® leverages the benefits of machine learning to rank the growth potential of over 420 Local Government Areas and 6,200 suburbs, Australia wide.</a:t>
             </a:r>
-            <a:endParaRPr lang="en-US" dirty="0"/>
           </a:p>
         </p:txBody>
       </p:sp>
@@ -6132,13 +6127,13 @@
   <p:clrMapOvr>
     <a:masterClrMapping/>
   </p:clrMapOvr>
-  <mc:AlternateContent xmlns:mc="http://schemas.openxmlformats.org/markup-compatibility/2006">
-    <mc:Choice xmlns:p14="http://schemas.microsoft.com/office/powerpoint/2010/main" Requires="p14">
+  <mc:AlternateContent xmlns:mc="http://schemas.openxmlformats.org/markup-compatibility/2006" xmlns:p14="http://schemas.microsoft.com/office/powerpoint/2010/main">
+    <mc:Choice Requires="p14">
       <p:transition spd="med" p14:dur="700">
         <p:fade/>
       </p:transition>
     </mc:Choice>
-    <mc:Fallback>
+    <mc:Fallback xmlns="">
       <p:transition spd="med">
         <p:fade/>
       </p:transition>
@@ -6399,13 +6394,13 @@
   <p:clrMapOvr>
     <a:masterClrMapping/>
   </p:clrMapOvr>
-  <mc:AlternateContent xmlns:mc="http://schemas.openxmlformats.org/markup-compatibility/2006">
-    <mc:Choice xmlns:p14="http://schemas.microsoft.com/office/powerpoint/2010/main" Requires="p14">
+  <mc:AlternateContent xmlns:mc="http://schemas.openxmlformats.org/markup-compatibility/2006" xmlns:p14="http://schemas.microsoft.com/office/powerpoint/2010/main">
+    <mc:Choice Requires="p14">
       <p:transition spd="med" p14:dur="700">
         <p:fade/>
       </p:transition>
     </mc:Choice>
-    <mc:Fallback>
+    <mc:Fallback xmlns="">
       <p:transition spd="med">
         <p:fade/>
       </p:transition>
@@ -6694,13 +6689,13 @@
   <p:clrMapOvr>
     <a:masterClrMapping/>
   </p:clrMapOvr>
-  <mc:AlternateContent xmlns:mc="http://schemas.openxmlformats.org/markup-compatibility/2006">
-    <mc:Choice xmlns:p14="http://schemas.microsoft.com/office/powerpoint/2010/main" Requires="p14">
+  <mc:AlternateContent xmlns:mc="http://schemas.openxmlformats.org/markup-compatibility/2006" xmlns:p14="http://schemas.microsoft.com/office/powerpoint/2010/main">
+    <mc:Choice Requires="p14">
       <p:transition spd="med" p14:dur="700">
         <p:fade/>
       </p:transition>
     </mc:Choice>
-    <mc:Fallback>
+    <mc:Fallback xmlns="">
       <p:transition spd="med">
         <p:fade/>
       </p:transition>
@@ -6785,13 +6780,13 @@
   <p:clrMapOvr>
     <a:masterClrMapping/>
   </p:clrMapOvr>
-  <mc:AlternateContent xmlns:mc="http://schemas.openxmlformats.org/markup-compatibility/2006">
-    <mc:Choice xmlns:p14="http://schemas.microsoft.com/office/powerpoint/2010/main" Requires="p14">
+  <mc:AlternateContent xmlns:mc="http://schemas.openxmlformats.org/markup-compatibility/2006" xmlns:p14="http://schemas.microsoft.com/office/powerpoint/2010/main">
+    <mc:Choice Requires="p14">
       <p:transition spd="med" p14:dur="700">
         <p:fade/>
       </p:transition>
     </mc:Choice>
-    <mc:Fallback>
+    <mc:Fallback xmlns="">
       <p:transition spd="med">
         <p:fade/>
       </p:transition>
@@ -6948,50 +6943,6 @@
           </a:p>
         </p:txBody>
       </p:sp>
-      <p:sp>
-        <p:nvSpPr>
-          <p:cNvPr id="11" name="TextBox 10"/>
-          <p:cNvSpPr txBox="1"/>
-          <p:nvPr/>
-        </p:nvSpPr>
-        <p:spPr>
-          <a:xfrm>
-            <a:off x="593136" y="5344601"/>
-            <a:ext cx="5072106" cy="369332"/>
-          </a:xfrm>
-          <a:prstGeom prst="rect">
-            <a:avLst/>
-          </a:prstGeom>
-          <a:noFill/>
-        </p:spPr>
-        <p:txBody>
-          <a:bodyPr wrap="square" rtlCol="0">
-            <a:spAutoFit/>
-          </a:bodyPr>
-          <a:lstStyle/>
-          <a:p>
-            <a:r>
-              <a:rPr lang="en-US" dirty="0" smtClean="0"/>
-              <a:t>Filling missing values in ‘</a:t>
-            </a:r>
-            <a:r>
-              <a:rPr lang="en-US" b="1" dirty="0" smtClean="0">
-                <a:solidFill>
-                  <a:schemeClr val="accent1">
-                    <a:lumMod val="75000"/>
-                  </a:schemeClr>
-                </a:solidFill>
-              </a:rPr>
-              <a:t>bathrooms</a:t>
-            </a:r>
-            <a:r>
-              <a:rPr lang="en-US" dirty="0" smtClean="0"/>
-              <a:t>’ column</a:t>
-            </a:r>
-            <a:endParaRPr lang="en-US" dirty="0"/>
-          </a:p>
-        </p:txBody>
-      </p:sp>
       <p:pic>
         <p:nvPicPr>
           <p:cNvPr id="9" name="Picture 8"/>
@@ -7074,13 +7025,13 @@
   <p:clrMapOvr>
     <a:masterClrMapping/>
   </p:clrMapOvr>
-  <mc:AlternateContent xmlns:mc="http://schemas.openxmlformats.org/markup-compatibility/2006">
-    <mc:Choice xmlns:p14="http://schemas.microsoft.com/office/powerpoint/2010/main" Requires="p14">
+  <mc:AlternateContent xmlns:mc="http://schemas.openxmlformats.org/markup-compatibility/2006" xmlns:p14="http://schemas.microsoft.com/office/powerpoint/2010/main">
+    <mc:Choice Requires="p14">
       <p:transition spd="med" p14:dur="700">
         <p:fade/>
       </p:transition>
     </mc:Choice>
-    <mc:Fallback>
+    <mc:Fallback xmlns="">
       <p:transition spd="med">
         <p:fade/>
       </p:transition>
@@ -7319,13 +7270,13 @@
   <p:clrMapOvr>
     <a:masterClrMapping/>
   </p:clrMapOvr>
-  <mc:AlternateContent xmlns:mc="http://schemas.openxmlformats.org/markup-compatibility/2006">
-    <mc:Choice xmlns:p14="http://schemas.microsoft.com/office/powerpoint/2010/main" Requires="p14">
+  <mc:AlternateContent xmlns:mc="http://schemas.openxmlformats.org/markup-compatibility/2006" xmlns:p14="http://schemas.microsoft.com/office/powerpoint/2010/main">
+    <mc:Choice Requires="p14">
       <p:transition spd="med" p14:dur="700">
         <p:fade/>
       </p:transition>
     </mc:Choice>
-    <mc:Fallback>
+    <mc:Fallback xmlns="">
       <p:transition spd="med">
         <p:fade/>
       </p:transition>
@@ -7461,74 +7412,29 @@
         <p:spPr>
           <a:xfrm>
             <a:off x="508461" y="447092"/>
-            <a:ext cx="2119747" cy="276999"/>
-          </a:xfrm>
-          <a:prstGeom prst="rect">
-            <a:avLst/>
-          </a:prstGeom>
-          <a:noFill/>
-        </p:spPr>
-        <p:txBody>
-          <a:bodyPr wrap="square" rtlCol="0">
-            <a:spAutoFit/>
-          </a:bodyPr>
-          <a:lstStyle/>
-          <a:p>
-            <a:r>
-              <a:rPr lang="en-ID" sz="1200" dirty="0" err="1" smtClean="0"/>
-              <a:t>Pairplot</a:t>
-            </a:r>
-            <a:endParaRPr lang="en-US" sz="1200" dirty="0"/>
-          </a:p>
-        </p:txBody>
-      </p:sp>
-      <p:sp>
-        <p:nvSpPr>
-          <p:cNvPr id="11" name="TextBox 10"/>
-          <p:cNvSpPr txBox="1"/>
-          <p:nvPr/>
-        </p:nvSpPr>
-        <p:spPr>
-          <a:xfrm>
-            <a:off x="593136" y="5344601"/>
-            <a:ext cx="5072106" cy="369332"/>
-          </a:xfrm>
-          <a:prstGeom prst="rect">
-            <a:avLst/>
-          </a:prstGeom>
-          <a:noFill/>
-        </p:spPr>
-        <p:txBody>
-          <a:bodyPr wrap="square" rtlCol="0">
-            <a:spAutoFit/>
-          </a:bodyPr>
-          <a:lstStyle/>
-          <a:p>
-            <a:r>
-              <a:rPr lang="en-US" dirty="0" smtClean="0"/>
-              <a:t>Filling missing values in ‘</a:t>
-            </a:r>
-            <a:r>
-              <a:rPr lang="en-US" b="1" dirty="0" smtClean="0">
-                <a:solidFill>
-                  <a:schemeClr val="accent1">
-                    <a:lumMod val="75000"/>
-                  </a:schemeClr>
-                </a:solidFill>
-              </a:rPr>
-              <a:t>bathrooms</a:t>
-            </a:r>
-            <a:r>
-              <a:rPr lang="en-US" dirty="0" smtClean="0"/>
-              <a:t>’ column</a:t>
-            </a:r>
-            <a:endParaRPr lang="en-US" dirty="0"/>
+            <a:ext cx="4856019" cy="461665"/>
+          </a:xfrm>
+          <a:prstGeom prst="rect">
+            <a:avLst/>
+          </a:prstGeom>
+          <a:noFill/>
+        </p:spPr>
+        <p:txBody>
+          <a:bodyPr wrap="square" rtlCol="0">
+            <a:spAutoFit/>
+          </a:bodyPr>
+          <a:lstStyle/>
+          <a:p>
+            <a:r>
+              <a:rPr lang="en-US" sz="1200" dirty="0"/>
+              <a:t>Canberra Real Estate Pricing Trend Throughout the Years Based on Its Property Type</a:t>
+            </a:r>
           </a:p>
         </p:txBody>
       </p:sp>
       <p:pic>
         <p:nvPicPr>
-          <p:cNvPr id="9" name="Picture 8"/>
+          <p:cNvPr id="2" name="Picture 1"/>
           <p:cNvPicPr>
             <a:picLocks noChangeAspect="1"/>
           </p:cNvPicPr>
@@ -7542,56 +7448,8 @@
         </p:blipFill>
         <p:spPr>
           <a:xfrm>
-            <a:off x="593136" y="2019300"/>
-            <a:ext cx="10876054" cy="2676070"/>
-          </a:xfrm>
-          <a:prstGeom prst="rect">
-            <a:avLst/>
-          </a:prstGeom>
-        </p:spPr>
-      </p:pic>
-      <p:pic>
-        <p:nvPicPr>
-          <p:cNvPr id="10" name="Picture 9"/>
-          <p:cNvPicPr>
-            <a:picLocks noChangeAspect="1"/>
-          </p:cNvPicPr>
-          <p:nvPr/>
-        </p:nvPicPr>
-        <p:blipFill>
-          <a:blip r:embed="rId3"/>
-          <a:stretch>
-            <a:fillRect/>
-          </a:stretch>
-        </p:blipFill>
-        <p:spPr>
-          <a:xfrm>
-            <a:off x="1159625" y="4795083"/>
-            <a:ext cx="10309565" cy="238903"/>
-          </a:xfrm>
-          <a:prstGeom prst="rect">
-            <a:avLst/>
-          </a:prstGeom>
-        </p:spPr>
-      </p:pic>
-      <p:pic>
-        <p:nvPicPr>
-          <p:cNvPr id="12" name="Picture 11"/>
-          <p:cNvPicPr>
-            <a:picLocks noChangeAspect="1"/>
-          </p:cNvPicPr>
-          <p:nvPr/>
-        </p:nvPicPr>
-        <p:blipFill>
-          <a:blip r:embed="rId4"/>
-          <a:stretch>
-            <a:fillRect/>
-          </a:stretch>
-        </p:blipFill>
-        <p:spPr>
-          <a:xfrm>
-            <a:off x="10545265" y="1252674"/>
-            <a:ext cx="923925" cy="590550"/>
+            <a:off x="507076" y="1892889"/>
+            <a:ext cx="6667500" cy="2847975"/>
           </a:xfrm>
           <a:prstGeom prst="rect">
             <a:avLst/>
@@ -7601,20 +7459,20 @@
     </p:spTree>
     <p:extLst>
       <p:ext uri="{BB962C8B-B14F-4D97-AF65-F5344CB8AC3E}">
-        <p14:creationId xmlns:p14="http://schemas.microsoft.com/office/powerpoint/2010/main" val="798141312"/>
+        <p14:creationId xmlns:p14="http://schemas.microsoft.com/office/powerpoint/2010/main" val="1426707867"/>
       </p:ext>
     </p:extLst>
   </p:cSld>
   <p:clrMapOvr>
     <a:masterClrMapping/>
   </p:clrMapOvr>
-  <mc:AlternateContent xmlns:mc="http://schemas.openxmlformats.org/markup-compatibility/2006">
-    <mc:Choice xmlns:p14="http://schemas.microsoft.com/office/powerpoint/2010/main" Requires="p14">
+  <mc:AlternateContent xmlns:mc="http://schemas.openxmlformats.org/markup-compatibility/2006" xmlns:p14="http://schemas.microsoft.com/office/powerpoint/2010/main">
+    <mc:Choice Requires="p14">
       <p:transition spd="med" p14:dur="700">
         <p:fade/>
       </p:transition>
     </mc:Choice>
-    <mc:Fallback>
+    <mc:Fallback xmlns="">
       <p:transition spd="med">
         <p:fade/>
       </p:transition>
@@ -7741,36 +7599,6 @@
           </a:p>
         </p:txBody>
       </p:sp>
-      <p:sp>
-        <p:nvSpPr>
-          <p:cNvPr id="8" name="TextBox 7"/>
-          <p:cNvSpPr txBox="1"/>
-          <p:nvPr/>
-        </p:nvSpPr>
-        <p:spPr>
-          <a:xfrm>
-            <a:off x="508461" y="447092"/>
-            <a:ext cx="4856019" cy="461665"/>
-          </a:xfrm>
-          <a:prstGeom prst="rect">
-            <a:avLst/>
-          </a:prstGeom>
-          <a:noFill/>
-        </p:spPr>
-        <p:txBody>
-          <a:bodyPr wrap="square" rtlCol="0">
-            <a:spAutoFit/>
-          </a:bodyPr>
-          <a:lstStyle/>
-          <a:p>
-            <a:r>
-              <a:rPr lang="en-US" sz="1200" dirty="0"/>
-              <a:t>Canberra Real Estate Pricing Trend Throughout the Years Based on Its Property Type</a:t>
-            </a:r>
-            <a:endParaRPr lang="en-US" sz="1200" dirty="0"/>
-          </a:p>
-        </p:txBody>
-      </p:sp>
       <p:pic>
         <p:nvPicPr>
           <p:cNvPr id="2" name="Picture 1"/>
@@ -7787,31 +7615,84 @@
         </p:blipFill>
         <p:spPr>
           <a:xfrm>
-            <a:off x="507076" y="1892889"/>
-            <a:ext cx="6667500" cy="2847975"/>
+            <a:off x="1456310" y="1618183"/>
+            <a:ext cx="3957204" cy="3805393"/>
           </a:xfrm>
           <a:prstGeom prst="rect">
             <a:avLst/>
           </a:prstGeom>
         </p:spPr>
       </p:pic>
+      <p:pic>
+        <p:nvPicPr>
+          <p:cNvPr id="3" name="Picture 2"/>
+          <p:cNvPicPr>
+            <a:picLocks noChangeAspect="1"/>
+          </p:cNvPicPr>
+          <p:nvPr/>
+        </p:nvPicPr>
+        <p:blipFill>
+          <a:blip r:embed="rId3"/>
+          <a:stretch>
+            <a:fillRect/>
+          </a:stretch>
+        </p:blipFill>
+        <p:spPr>
+          <a:xfrm>
+            <a:off x="6026331" y="1644097"/>
+            <a:ext cx="3988037" cy="3779479"/>
+          </a:xfrm>
+          <a:prstGeom prst="rect">
+            <a:avLst/>
+          </a:prstGeom>
+        </p:spPr>
+      </p:pic>
+      <p:sp>
+        <p:nvSpPr>
+          <p:cNvPr id="13" name="TextBox 12"/>
+          <p:cNvSpPr txBox="1"/>
+          <p:nvPr/>
+        </p:nvSpPr>
+        <p:spPr>
+          <a:xfrm>
+            <a:off x="508461" y="447092"/>
+            <a:ext cx="4856019" cy="461665"/>
+          </a:xfrm>
+          <a:prstGeom prst="rect">
+            <a:avLst/>
+          </a:prstGeom>
+          <a:noFill/>
+        </p:spPr>
+        <p:txBody>
+          <a:bodyPr wrap="square" rtlCol="0">
+            <a:spAutoFit/>
+          </a:bodyPr>
+          <a:lstStyle/>
+          <a:p>
+            <a:r>
+              <a:rPr lang="en-US" sz="1200" dirty="0"/>
+              <a:t>Canberra Real Estate Pricing Trend Throughout the Years Based on Its Property Type</a:t>
+            </a:r>
+          </a:p>
+        </p:txBody>
+      </p:sp>
     </p:spTree>
     <p:extLst>
       <p:ext uri="{BB962C8B-B14F-4D97-AF65-F5344CB8AC3E}">
-        <p14:creationId xmlns:p14="http://schemas.microsoft.com/office/powerpoint/2010/main" val="1426707867"/>
+        <p14:creationId xmlns:p14="http://schemas.microsoft.com/office/powerpoint/2010/main" val="1418038615"/>
       </p:ext>
     </p:extLst>
   </p:cSld>
   <p:clrMapOvr>
     <a:masterClrMapping/>
   </p:clrMapOvr>
-  <mc:AlternateContent xmlns:mc="http://schemas.openxmlformats.org/markup-compatibility/2006">
-    <mc:Choice xmlns:p14="http://schemas.microsoft.com/office/powerpoint/2010/main" Requires="p14">
+  <mc:AlternateContent xmlns:mc="http://schemas.openxmlformats.org/markup-compatibility/2006" xmlns:p14="http://schemas.microsoft.com/office/powerpoint/2010/main">
+    <mc:Choice Requires="p14">
       <p:transition spd="med" p14:dur="700">
         <p:fade/>
       </p:transition>
     </mc:Choice>
-    <mc:Fallback>
+    <mc:Fallback xmlns="">
       <p:transition spd="med">
         <p:fade/>
       </p:transition>
@@ -7938,9 +7819,43 @@
           </a:p>
         </p:txBody>
       </p:sp>
+      <p:sp>
+        <p:nvSpPr>
+          <p:cNvPr id="13" name="TextBox 12"/>
+          <p:cNvSpPr txBox="1"/>
+          <p:nvPr/>
+        </p:nvSpPr>
+        <p:spPr>
+          <a:xfrm>
+            <a:off x="508461" y="447092"/>
+            <a:ext cx="4856019" cy="276999"/>
+          </a:xfrm>
+          <a:prstGeom prst="rect">
+            <a:avLst/>
+          </a:prstGeom>
+          <a:noFill/>
+        </p:spPr>
+        <p:txBody>
+          <a:bodyPr wrap="square" rtlCol="0">
+            <a:spAutoFit/>
+          </a:bodyPr>
+          <a:lstStyle/>
+          <a:p>
+            <a:r>
+              <a:rPr lang="en-US" sz="1200" dirty="0"/>
+              <a:t>Performance of Real Estate Sales Based on Yearly </a:t>
+            </a:r>
+            <a:r>
+              <a:rPr lang="en-US" sz="1200" dirty="0" smtClean="0"/>
+              <a:t>Quarters</a:t>
+            </a:r>
+            <a:endParaRPr lang="en-US" sz="1200" dirty="0"/>
+          </a:p>
+        </p:txBody>
+      </p:sp>
       <p:pic>
         <p:nvPicPr>
-          <p:cNvPr id="2" name="Picture 1"/>
+          <p:cNvPr id="7" name="Picture 6"/>
           <p:cNvPicPr>
             <a:picLocks noChangeAspect="1"/>
           </p:cNvPicPr>
@@ -7954,8 +7869,8 @@
         </p:blipFill>
         <p:spPr>
           <a:xfrm>
-            <a:off x="1456310" y="1618183"/>
-            <a:ext cx="3957204" cy="3805393"/>
+            <a:off x="507076" y="1266945"/>
+            <a:ext cx="5461772" cy="3238091"/>
           </a:xfrm>
           <a:prstGeom prst="rect">
             <a:avLst/>
@@ -7964,7 +7879,7 @@
       </p:pic>
       <p:pic>
         <p:nvPicPr>
-          <p:cNvPr id="3" name="Picture 2"/>
+          <p:cNvPr id="8" name="Picture 7"/>
           <p:cNvPicPr>
             <a:picLocks noChangeAspect="1"/>
           </p:cNvPicPr>
@@ -7978,8 +7893,8 @@
         </p:blipFill>
         <p:spPr>
           <a:xfrm>
-            <a:off x="6026331" y="1644097"/>
-            <a:ext cx="3988037" cy="3779479"/>
+            <a:off x="7100455" y="1266945"/>
+            <a:ext cx="3822468" cy="3797152"/>
           </a:xfrm>
           <a:prstGeom prst="rect">
             <a:avLst/>
@@ -7988,51 +7903,78 @@
       </p:pic>
       <p:sp>
         <p:nvSpPr>
-          <p:cNvPr id="13" name="TextBox 12"/>
-          <p:cNvSpPr txBox="1"/>
-          <p:nvPr/>
-        </p:nvSpPr>
-        <p:spPr>
-          <a:xfrm>
-            <a:off x="508461" y="447092"/>
-            <a:ext cx="4856019" cy="461665"/>
-          </a:xfrm>
-          <a:prstGeom prst="rect">
-            <a:avLst/>
-          </a:prstGeom>
-          <a:noFill/>
-        </p:spPr>
-        <p:txBody>
-          <a:bodyPr wrap="square" rtlCol="0">
-            <a:spAutoFit/>
-          </a:bodyPr>
-          <a:lstStyle/>
-          <a:p>
-            <a:r>
-              <a:rPr lang="en-US" sz="1200" dirty="0"/>
-              <a:t>Canberra Real Estate Pricing Trend Throughout the Years Based on Its Property Type</a:t>
-            </a:r>
-            <a:endParaRPr lang="en-US" sz="1200" dirty="0"/>
+          <p:cNvPr id="9" name="Rectangle 8"/>
+          <p:cNvSpPr/>
+          <p:nvPr/>
+        </p:nvSpPr>
+        <p:spPr>
+          <a:xfrm>
+            <a:off x="507075" y="5606952"/>
+            <a:ext cx="11026833" cy="523220"/>
+          </a:xfrm>
+          <a:prstGeom prst="rect">
+            <a:avLst/>
+          </a:prstGeom>
+        </p:spPr>
+        <p:txBody>
+          <a:bodyPr wrap="square">
+            <a:spAutoFit/>
+          </a:bodyPr>
+          <a:lstStyle/>
+          <a:p>
+            <a:r>
+              <a:rPr lang="en-US" sz="1400" dirty="0"/>
+              <a:t>Throughout 2007 to 2019 there were some fluctuations in the amount of real estate sales per quarter. However, the ratios of sales among all quarters were </a:t>
+            </a:r>
+            <a:r>
+              <a:rPr lang="en-US" sz="1400" b="1" dirty="0">
+                <a:solidFill>
+                  <a:schemeClr val="accent1">
+                    <a:lumMod val="75000"/>
+                  </a:schemeClr>
+                </a:solidFill>
+              </a:rPr>
+              <a:t>relatively the same</a:t>
+            </a:r>
+            <a:r>
+              <a:rPr lang="en-US" sz="1400" dirty="0"/>
+              <a:t>. In addition, only </a:t>
+            </a:r>
+            <a:r>
+              <a:rPr lang="en-US" sz="1400" b="1" dirty="0">
+                <a:solidFill>
+                  <a:schemeClr val="accent1">
+                    <a:lumMod val="75000"/>
+                  </a:schemeClr>
+                </a:solidFill>
+              </a:rPr>
+              <a:t>the 4th quarter </a:t>
+            </a:r>
+            <a:r>
+              <a:rPr lang="en-US" sz="1400" dirty="0"/>
+              <a:t>experienced a decline in real estate sales in 2019.</a:t>
+            </a:r>
+            <a:endParaRPr lang="id-ID" sz="1400" dirty="0"/>
           </a:p>
         </p:txBody>
       </p:sp>
     </p:spTree>
     <p:extLst>
       <p:ext uri="{BB962C8B-B14F-4D97-AF65-F5344CB8AC3E}">
-        <p14:creationId xmlns:p14="http://schemas.microsoft.com/office/powerpoint/2010/main" val="1418038615"/>
+        <p14:creationId xmlns:p14="http://schemas.microsoft.com/office/powerpoint/2010/main" val="1163491657"/>
       </p:ext>
     </p:extLst>
   </p:cSld>
   <p:clrMapOvr>
     <a:masterClrMapping/>
   </p:clrMapOvr>
-  <mc:AlternateContent xmlns:mc="http://schemas.openxmlformats.org/markup-compatibility/2006">
-    <mc:Choice xmlns:p14="http://schemas.microsoft.com/office/powerpoint/2010/main" Requires="p14">
+  <mc:AlternateContent xmlns:mc="http://schemas.openxmlformats.org/markup-compatibility/2006" xmlns:p14="http://schemas.microsoft.com/office/powerpoint/2010/main">
+    <mc:Choice Requires="p14">
       <p:transition spd="med" p14:dur="700">
         <p:fade/>
       </p:transition>
     </mc:Choice>
-    <mc:Fallback>
+    <mc:Fallback xmlns="">
       <p:transition spd="med">
         <p:fade/>
       </p:transition>
@@ -8183,19 +8125,22 @@
           <a:p>
             <a:r>
               <a:rPr lang="en-US" sz="1200" dirty="0"/>
-              <a:t>Performance of Real Estate Sales Based on Yearly </a:t>
-            </a:r>
-            <a:r>
-              <a:rPr lang="en-US" sz="1200" dirty="0" smtClean="0"/>
-              <a:t>Quarters</a:t>
-            </a:r>
-            <a:endParaRPr lang="en-US" sz="1200" dirty="0"/>
+              <a:t>Hypothesis Testing Using </a:t>
+            </a:r>
+            <a:r>
+              <a:rPr lang="en-US" sz="1200" dirty="0" err="1"/>
+              <a:t>Kruskal</a:t>
+            </a:r>
+            <a:r>
+              <a:rPr lang="en-US" sz="1200" dirty="0"/>
+              <a:t> Wallis Test</a:t>
+            </a:r>
           </a:p>
         </p:txBody>
       </p:sp>
       <p:pic>
         <p:nvPicPr>
-          <p:cNvPr id="7" name="Picture 6"/>
+          <p:cNvPr id="2" name="Picture 1"/>
           <p:cNvPicPr>
             <a:picLocks noChangeAspect="1"/>
           </p:cNvPicPr>
@@ -8209,8 +8154,8 @@
         </p:blipFill>
         <p:spPr>
           <a:xfrm>
-            <a:off x="507076" y="1266945"/>
-            <a:ext cx="5461772" cy="3238091"/>
+            <a:off x="507076" y="2312870"/>
+            <a:ext cx="7652856" cy="1705302"/>
           </a:xfrm>
           <a:prstGeom prst="rect">
             <a:avLst/>
@@ -8219,7 +8164,7 @@
       </p:pic>
       <p:pic>
         <p:nvPicPr>
-          <p:cNvPr id="8" name="Picture 7"/>
+          <p:cNvPr id="3" name="Picture 2"/>
           <p:cNvPicPr>
             <a:picLocks noChangeAspect="1"/>
           </p:cNvPicPr>
@@ -8233,88 +8178,31 @@
         </p:blipFill>
         <p:spPr>
           <a:xfrm>
-            <a:off x="7100455" y="1266945"/>
-            <a:ext cx="3822468" cy="3797152"/>
+            <a:off x="8404167" y="1212102"/>
+            <a:ext cx="2546495" cy="3906838"/>
           </a:xfrm>
           <a:prstGeom prst="rect">
             <a:avLst/>
           </a:prstGeom>
         </p:spPr>
       </p:pic>
-      <p:sp>
-        <p:nvSpPr>
-          <p:cNvPr id="9" name="Rectangle 8"/>
-          <p:cNvSpPr/>
-          <p:nvPr/>
-        </p:nvSpPr>
-        <p:spPr>
-          <a:xfrm>
-            <a:off x="507075" y="5606952"/>
-            <a:ext cx="11026833" cy="523220"/>
-          </a:xfrm>
-          <a:prstGeom prst="rect">
-            <a:avLst/>
-          </a:prstGeom>
-        </p:spPr>
-        <p:txBody>
-          <a:bodyPr wrap="square">
-            <a:spAutoFit/>
-          </a:bodyPr>
-          <a:lstStyle/>
-          <a:p>
-            <a:r>
-              <a:rPr lang="en-US" sz="1400" dirty="0"/>
-              <a:t>Throughout 2007 to 2019 there were some fluctuations in the amount of real estate sales per quarter. However, the ratios of sales among all quarters were </a:t>
-            </a:r>
-            <a:r>
-              <a:rPr lang="en-US" sz="1400" b="1" dirty="0">
-                <a:solidFill>
-                  <a:schemeClr val="accent1">
-                    <a:lumMod val="75000"/>
-                  </a:schemeClr>
-                </a:solidFill>
-              </a:rPr>
-              <a:t>relatively the same</a:t>
-            </a:r>
-            <a:r>
-              <a:rPr lang="en-US" sz="1400" dirty="0"/>
-              <a:t>. In addition, only </a:t>
-            </a:r>
-            <a:r>
-              <a:rPr lang="en-US" sz="1400" b="1" dirty="0">
-                <a:solidFill>
-                  <a:schemeClr val="accent1">
-                    <a:lumMod val="75000"/>
-                  </a:schemeClr>
-                </a:solidFill>
-              </a:rPr>
-              <a:t>the 4th quarter </a:t>
-            </a:r>
-            <a:r>
-              <a:rPr lang="en-US" sz="1400" dirty="0"/>
-              <a:t>experienced a decline in real estate sales in 2019.</a:t>
-            </a:r>
-            <a:endParaRPr lang="id-ID" sz="1400" dirty="0"/>
-          </a:p>
-        </p:txBody>
-      </p:sp>
     </p:spTree>
     <p:extLst>
       <p:ext uri="{BB962C8B-B14F-4D97-AF65-F5344CB8AC3E}">
-        <p14:creationId xmlns:p14="http://schemas.microsoft.com/office/powerpoint/2010/main" val="1163491657"/>
+        <p14:creationId xmlns:p14="http://schemas.microsoft.com/office/powerpoint/2010/main" val="3263244057"/>
       </p:ext>
     </p:extLst>
   </p:cSld>
   <p:clrMapOvr>
     <a:masterClrMapping/>
   </p:clrMapOvr>
-  <mc:AlternateContent xmlns:mc="http://schemas.openxmlformats.org/markup-compatibility/2006">
-    <mc:Choice xmlns:p14="http://schemas.microsoft.com/office/powerpoint/2010/main" Requires="p14">
+  <mc:AlternateContent xmlns:mc="http://schemas.openxmlformats.org/markup-compatibility/2006" xmlns:p14="http://schemas.microsoft.com/office/powerpoint/2010/main">
+    <mc:Choice Requires="p14">
       <p:transition spd="med" p14:dur="700">
         <p:fade/>
       </p:transition>
     </mc:Choice>
-    <mc:Fallback>
+    <mc:Fallback xmlns="">
       <p:transition spd="med">
         <p:fade/>
       </p:transition>
@@ -8441,44 +8329,6 @@
           </a:p>
         </p:txBody>
       </p:sp>
-      <p:sp>
-        <p:nvSpPr>
-          <p:cNvPr id="13" name="TextBox 12"/>
-          <p:cNvSpPr txBox="1"/>
-          <p:nvPr/>
-        </p:nvSpPr>
-        <p:spPr>
-          <a:xfrm>
-            <a:off x="508461" y="447092"/>
-            <a:ext cx="4856019" cy="276999"/>
-          </a:xfrm>
-          <a:prstGeom prst="rect">
-            <a:avLst/>
-          </a:prstGeom>
-          <a:noFill/>
-        </p:spPr>
-        <p:txBody>
-          <a:bodyPr wrap="square" rtlCol="0">
-            <a:spAutoFit/>
-          </a:bodyPr>
-          <a:lstStyle/>
-          <a:p>
-            <a:r>
-              <a:rPr lang="en-US" sz="1200" dirty="0"/>
-              <a:t>Hypothesis Testing Using </a:t>
-            </a:r>
-            <a:r>
-              <a:rPr lang="en-US" sz="1200" dirty="0" err="1"/>
-              <a:t>Kruskal</a:t>
-            </a:r>
-            <a:r>
-              <a:rPr lang="en-US" sz="1200" dirty="0"/>
-              <a:t> Wallis Test</a:t>
-            </a:r>
-            <a:endParaRPr lang="en-US" sz="1200" dirty="0"/>
-          </a:p>
-        </p:txBody>
-      </p:sp>
       <p:pic>
         <p:nvPicPr>
           <p:cNvPr id="2" name="Picture 1"/>
@@ -8495,8 +8345,8 @@
         </p:blipFill>
         <p:spPr>
           <a:xfrm>
-            <a:off x="507076" y="2312870"/>
-            <a:ext cx="7652856" cy="1705302"/>
+            <a:off x="507075" y="1298801"/>
+            <a:ext cx="4467225" cy="1647825"/>
           </a:xfrm>
           <a:prstGeom prst="rect">
             <a:avLst/>
@@ -8519,31 +8369,92 @@
         </p:blipFill>
         <p:spPr>
           <a:xfrm>
-            <a:off x="8404167" y="1212102"/>
-            <a:ext cx="2546495" cy="3906838"/>
+            <a:off x="5107260" y="1298801"/>
+            <a:ext cx="3142233" cy="4120653"/>
           </a:xfrm>
           <a:prstGeom prst="rect">
             <a:avLst/>
           </a:prstGeom>
         </p:spPr>
       </p:pic>
+      <p:pic>
+        <p:nvPicPr>
+          <p:cNvPr id="10" name="Picture 9"/>
+          <p:cNvPicPr>
+            <a:picLocks noChangeAspect="1"/>
+          </p:cNvPicPr>
+          <p:nvPr/>
+        </p:nvPicPr>
+        <p:blipFill>
+          <a:blip r:embed="rId4"/>
+          <a:stretch>
+            <a:fillRect/>
+          </a:stretch>
+        </p:blipFill>
+        <p:spPr>
+          <a:xfrm>
+            <a:off x="8382453" y="1298800"/>
+            <a:ext cx="3151455" cy="4120653"/>
+          </a:xfrm>
+          <a:prstGeom prst="rect">
+            <a:avLst/>
+          </a:prstGeom>
+        </p:spPr>
+      </p:pic>
+      <p:sp>
+        <p:nvSpPr>
+          <p:cNvPr id="12" name="TextBox 11"/>
+          <p:cNvSpPr txBox="1"/>
+          <p:nvPr/>
+        </p:nvSpPr>
+        <p:spPr>
+          <a:xfrm>
+            <a:off x="508461" y="447092"/>
+            <a:ext cx="4856019" cy="276999"/>
+          </a:xfrm>
+          <a:prstGeom prst="rect">
+            <a:avLst/>
+          </a:prstGeom>
+          <a:noFill/>
+        </p:spPr>
+        <p:txBody>
+          <a:bodyPr wrap="square" rtlCol="0">
+            <a:spAutoFit/>
+          </a:bodyPr>
+          <a:lstStyle/>
+          <a:p>
+            <a:r>
+              <a:rPr lang="en-US" sz="1200" dirty="0"/>
+              <a:t>Hypothesis Testing Using </a:t>
+            </a:r>
+            <a:r>
+              <a:rPr lang="en-US" sz="1200" dirty="0" err="1"/>
+              <a:t>Kruskal</a:t>
+            </a:r>
+            <a:r>
+              <a:rPr lang="en-US" sz="1200" dirty="0"/>
+              <a:t> Wallis Test</a:t>
+            </a:r>
+          </a:p>
+        </p:txBody>
+      </p:sp>
     </p:spTree>
     <p:extLst>
       <p:ext uri="{BB962C8B-B14F-4D97-AF65-F5344CB8AC3E}">
-        <p14:creationId xmlns:p14="http://schemas.microsoft.com/office/powerpoint/2010/main" val="3263244057"/>
+        <p14:creationId xmlns:p14="http://schemas.microsoft.com/office/powerpoint/2010/main" val="2288571867"/>
       </p:ext>
     </p:extLst>
   </p:cSld>
   <p:clrMapOvr>
     <a:masterClrMapping/>
   </p:clrMapOvr>
-  <mc:AlternateContent xmlns:mc="http://schemas.openxmlformats.org/markup-compatibility/2006">
-    <mc:Choice xmlns:p14="http://schemas.microsoft.com/office/powerpoint/2010/main" Requires="p14">
+  <mc:AlternateContent xmlns:mc="http://schemas.openxmlformats.org/markup-compatibility/2006" xmlns:p14="http://schemas.microsoft.com/office/powerpoint/2010/main">
+    <mc:Choice Requires="p14">
       <p:transition spd="med" p14:dur="700">
         <p:fade/>
       </p:transition>
     </mc:Choice>
-    <mc:Fallback>
+    <mc:Fallback xmlns="">
       <p:transition spd="med">
         <p:fade/>
       </p:transition>
@@ -8940,7 +8851,6 @@
               <a:rPr lang="en-US" dirty="0"/>
               <a:t> = the id of the suburbs</a:t>
             </a:r>
-            <a:endParaRPr lang="en-US" dirty="0"/>
           </a:p>
         </p:txBody>
       </p:sp>
@@ -8954,13 +8864,13 @@
   <p:clrMapOvr>
     <a:masterClrMapping/>
   </p:clrMapOvr>
-  <mc:AlternateContent xmlns:mc="http://schemas.openxmlformats.org/markup-compatibility/2006">
-    <mc:Choice xmlns:p14="http://schemas.microsoft.com/office/powerpoint/2010/main" Requires="p14">
+  <mc:AlternateContent xmlns:mc="http://schemas.openxmlformats.org/markup-compatibility/2006" xmlns:p14="http://schemas.microsoft.com/office/powerpoint/2010/main">
+    <mc:Choice Requires="p14">
       <p:transition spd="med" p14:dur="700">
         <p:fade/>
       </p:transition>
     </mc:Choice>
-    <mc:Fallback>
+    <mc:Fallback xmlns="">
       <p:transition spd="med">
         <p:fade/>
       </p:transition>
@@ -9087,9 +8997,46 @@
           </a:p>
         </p:txBody>
       </p:sp>
+      <p:sp>
+        <p:nvSpPr>
+          <p:cNvPr id="12" name="TextBox 11"/>
+          <p:cNvSpPr txBox="1"/>
+          <p:nvPr/>
+        </p:nvSpPr>
+        <p:spPr>
+          <a:xfrm>
+            <a:off x="508461" y="447092"/>
+            <a:ext cx="4856019" cy="276999"/>
+          </a:xfrm>
+          <a:prstGeom prst="rect">
+            <a:avLst/>
+          </a:prstGeom>
+          <a:noFill/>
+        </p:spPr>
+        <p:txBody>
+          <a:bodyPr wrap="square" rtlCol="0">
+            <a:spAutoFit/>
+          </a:bodyPr>
+          <a:lstStyle/>
+          <a:p>
+            <a:r>
+              <a:rPr lang="en-US" sz="1200" dirty="0"/>
+              <a:t>Hypothesis Testing Using </a:t>
+            </a:r>
+            <a:r>
+              <a:rPr lang="en-US" sz="1200" dirty="0" err="1"/>
+              <a:t>Kruskal</a:t>
+            </a:r>
+            <a:r>
+              <a:rPr lang="en-US" sz="1200" dirty="0"/>
+              <a:t> Wallis Test</a:t>
+            </a:r>
+          </a:p>
+        </p:txBody>
+      </p:sp>
       <p:pic>
         <p:nvPicPr>
-          <p:cNvPr id="2" name="Picture 1"/>
+          <p:cNvPr id="7" name="Picture 6"/>
           <p:cNvPicPr>
             <a:picLocks noChangeAspect="1"/>
           </p:cNvPicPr>
@@ -9103,8 +9050,8 @@
         </p:blipFill>
         <p:spPr>
           <a:xfrm>
-            <a:off x="507075" y="1298801"/>
-            <a:ext cx="4467225" cy="1647825"/>
+            <a:off x="507076" y="1756986"/>
+            <a:ext cx="6191250" cy="1247775"/>
           </a:xfrm>
           <a:prstGeom prst="rect">
             <a:avLst/>
@@ -9113,7 +9060,7 @@
       </p:pic>
       <p:pic>
         <p:nvPicPr>
-          <p:cNvPr id="3" name="Picture 2"/>
+          <p:cNvPr id="8" name="Picture 7"/>
           <p:cNvPicPr>
             <a:picLocks noChangeAspect="1"/>
           </p:cNvPicPr>
@@ -9127,8 +9074,8 @@
         </p:blipFill>
         <p:spPr>
           <a:xfrm>
-            <a:off x="5107260" y="1298801"/>
-            <a:ext cx="3142233" cy="4120653"/>
+            <a:off x="507076" y="3640184"/>
+            <a:ext cx="2476671" cy="2042063"/>
           </a:xfrm>
           <a:prstGeom prst="rect">
             <a:avLst/>
@@ -9137,7 +9084,7 @@
       </p:pic>
       <p:pic>
         <p:nvPicPr>
-          <p:cNvPr id="10" name="Picture 9"/>
+          <p:cNvPr id="9" name="Picture 8"/>
           <p:cNvPicPr>
             <a:picLocks noChangeAspect="1"/>
           </p:cNvPicPr>
@@ -9151,69 +9098,79 @@
         </p:blipFill>
         <p:spPr>
           <a:xfrm>
-            <a:off x="8382453" y="1298800"/>
-            <a:ext cx="3151455" cy="4120653"/>
+            <a:off x="3180962" y="3640184"/>
+            <a:ext cx="2599729" cy="2072425"/>
           </a:xfrm>
           <a:prstGeom prst="rect">
             <a:avLst/>
           </a:prstGeom>
         </p:spPr>
       </p:pic>
-      <p:sp>
-        <p:nvSpPr>
-          <p:cNvPr id="12" name="TextBox 11"/>
-          <p:cNvSpPr txBox="1"/>
-          <p:nvPr/>
-        </p:nvSpPr>
-        <p:spPr>
-          <a:xfrm>
-            <a:off x="508461" y="447092"/>
-            <a:ext cx="4856019" cy="276999"/>
-          </a:xfrm>
-          <a:prstGeom prst="rect">
-            <a:avLst/>
-          </a:prstGeom>
-          <a:noFill/>
-        </p:spPr>
-        <p:txBody>
-          <a:bodyPr wrap="square" rtlCol="0">
-            <a:spAutoFit/>
-          </a:bodyPr>
-          <a:lstStyle/>
-          <a:p>
-            <a:r>
-              <a:rPr lang="en-US" sz="1200" dirty="0"/>
-              <a:t>Hypothesis Testing Using </a:t>
-            </a:r>
-            <a:r>
-              <a:rPr lang="en-US" sz="1200" dirty="0" err="1"/>
-              <a:t>Kruskal</a:t>
-            </a:r>
-            <a:r>
-              <a:rPr lang="en-US" sz="1200" dirty="0"/>
-              <a:t> Wallis Test</a:t>
-            </a:r>
-            <a:endParaRPr lang="en-US" sz="1200" dirty="0"/>
-          </a:p>
-        </p:txBody>
-      </p:sp>
+      <p:pic>
+        <p:nvPicPr>
+          <p:cNvPr id="11" name="Picture 10"/>
+          <p:cNvPicPr>
+            <a:picLocks noChangeAspect="1"/>
+          </p:cNvPicPr>
+          <p:nvPr/>
+        </p:nvPicPr>
+        <p:blipFill>
+          <a:blip r:embed="rId5"/>
+          <a:stretch>
+            <a:fillRect/>
+          </a:stretch>
+        </p:blipFill>
+        <p:spPr>
+          <a:xfrm>
+            <a:off x="5977906" y="3640184"/>
+            <a:ext cx="2550600" cy="2090756"/>
+          </a:xfrm>
+          <a:prstGeom prst="rect">
+            <a:avLst/>
+          </a:prstGeom>
+        </p:spPr>
+      </p:pic>
+      <p:pic>
+        <p:nvPicPr>
+          <p:cNvPr id="13" name="Picture 12"/>
+          <p:cNvPicPr>
+            <a:picLocks noChangeAspect="1"/>
+          </p:cNvPicPr>
+          <p:nvPr/>
+        </p:nvPicPr>
+        <p:blipFill>
+          <a:blip r:embed="rId6"/>
+          <a:stretch>
+            <a:fillRect/>
+          </a:stretch>
+        </p:blipFill>
+        <p:spPr>
+          <a:xfrm>
+            <a:off x="8725721" y="3623014"/>
+            <a:ext cx="2592812" cy="2117463"/>
+          </a:xfrm>
+          <a:prstGeom prst="rect">
+            <a:avLst/>
+          </a:prstGeom>
+        </p:spPr>
+      </p:pic>
     </p:spTree>
     <p:extLst>
       <p:ext uri="{BB962C8B-B14F-4D97-AF65-F5344CB8AC3E}">
-        <p14:creationId xmlns:p14="http://schemas.microsoft.com/office/powerpoint/2010/main" val="2288571867"/>
+        <p14:creationId xmlns:p14="http://schemas.microsoft.com/office/powerpoint/2010/main" val="1204193248"/>
       </p:ext>
     </p:extLst>
   </p:cSld>
   <p:clrMapOvr>
     <a:masterClrMapping/>
   </p:clrMapOvr>
-  <mc:AlternateContent xmlns:mc="http://schemas.openxmlformats.org/markup-compatibility/2006">
-    <mc:Choice xmlns:p14="http://schemas.microsoft.com/office/powerpoint/2010/main" Requires="p14">
+  <mc:AlternateContent xmlns:mc="http://schemas.openxmlformats.org/markup-compatibility/2006" xmlns:p14="http://schemas.microsoft.com/office/powerpoint/2010/main">
+    <mc:Choice Requires="p14">
       <p:transition spd="med" p14:dur="700">
         <p:fade/>
       </p:transition>
     </mc:Choice>
-    <mc:Fallback>
+    <mc:Fallback xmlns="">
       <p:transition spd="med">
         <p:fade/>
       </p:transition>
@@ -9374,13 +9331,12 @@
               <a:rPr lang="en-US" sz="1200" dirty="0"/>
               <a:t> Wallis Test</a:t>
             </a:r>
-            <a:endParaRPr lang="en-US" sz="1200" dirty="0"/>
           </a:p>
         </p:txBody>
       </p:sp>
       <p:pic>
         <p:nvPicPr>
-          <p:cNvPr id="7" name="Picture 6"/>
+          <p:cNvPr id="2" name="Picture 1"/>
           <p:cNvPicPr>
             <a:picLocks noChangeAspect="1"/>
           </p:cNvPicPr>
@@ -9394,127 +9350,80 @@
         </p:blipFill>
         <p:spPr>
           <a:xfrm>
-            <a:off x="507076" y="1756986"/>
-            <a:ext cx="6191250" cy="1247775"/>
+            <a:off x="507076" y="1572563"/>
+            <a:ext cx="5484421" cy="3770892"/>
           </a:xfrm>
           <a:prstGeom prst="rect">
             <a:avLst/>
           </a:prstGeom>
         </p:spPr>
       </p:pic>
-      <p:pic>
-        <p:nvPicPr>
-          <p:cNvPr id="8" name="Picture 7"/>
-          <p:cNvPicPr>
-            <a:picLocks noChangeAspect="1"/>
-          </p:cNvPicPr>
-          <p:nvPr/>
-        </p:nvPicPr>
-        <p:blipFill>
-          <a:blip r:embed="rId3"/>
-          <a:stretch>
-            <a:fillRect/>
-          </a:stretch>
-        </p:blipFill>
-        <p:spPr>
-          <a:xfrm>
-            <a:off x="507076" y="3640184"/>
-            <a:ext cx="2476671" cy="2042063"/>
-          </a:xfrm>
-          <a:prstGeom prst="rect">
-            <a:avLst/>
-          </a:prstGeom>
-        </p:spPr>
-      </p:pic>
-      <p:pic>
-        <p:nvPicPr>
-          <p:cNvPr id="9" name="Picture 8"/>
-          <p:cNvPicPr>
-            <a:picLocks noChangeAspect="1"/>
-          </p:cNvPicPr>
-          <p:nvPr/>
-        </p:nvPicPr>
-        <p:blipFill>
-          <a:blip r:embed="rId4"/>
-          <a:stretch>
-            <a:fillRect/>
-          </a:stretch>
-        </p:blipFill>
-        <p:spPr>
-          <a:xfrm>
-            <a:off x="3180962" y="3640184"/>
-            <a:ext cx="2599729" cy="2072425"/>
-          </a:xfrm>
-          <a:prstGeom prst="rect">
-            <a:avLst/>
-          </a:prstGeom>
-        </p:spPr>
-      </p:pic>
-      <p:pic>
-        <p:nvPicPr>
-          <p:cNvPr id="11" name="Picture 10"/>
-          <p:cNvPicPr>
-            <a:picLocks noChangeAspect="1"/>
-          </p:cNvPicPr>
-          <p:nvPr/>
-        </p:nvPicPr>
-        <p:blipFill>
-          <a:blip r:embed="rId5"/>
-          <a:stretch>
-            <a:fillRect/>
-          </a:stretch>
-        </p:blipFill>
-        <p:spPr>
-          <a:xfrm>
-            <a:off x="5977906" y="3640184"/>
-            <a:ext cx="2550600" cy="2090756"/>
-          </a:xfrm>
-          <a:prstGeom prst="rect">
-            <a:avLst/>
-          </a:prstGeom>
-        </p:spPr>
-      </p:pic>
-      <p:pic>
-        <p:nvPicPr>
-          <p:cNvPr id="13" name="Picture 12"/>
-          <p:cNvPicPr>
-            <a:picLocks noChangeAspect="1"/>
-          </p:cNvPicPr>
-          <p:nvPr/>
-        </p:nvPicPr>
-        <p:blipFill>
-          <a:blip r:embed="rId6"/>
-          <a:stretch>
-            <a:fillRect/>
-          </a:stretch>
-        </p:blipFill>
-        <p:spPr>
-          <a:xfrm>
-            <a:off x="8725721" y="3623014"/>
-            <a:ext cx="2592812" cy="2117463"/>
-          </a:xfrm>
-          <a:prstGeom prst="rect">
-            <a:avLst/>
-          </a:prstGeom>
-        </p:spPr>
-      </p:pic>
+      <p:sp>
+        <p:nvSpPr>
+          <p:cNvPr id="14" name="Rectangle 13"/>
+          <p:cNvSpPr/>
+          <p:nvPr/>
+        </p:nvSpPr>
+        <p:spPr>
+          <a:xfrm>
+            <a:off x="507076" y="5522784"/>
+            <a:ext cx="11026833" cy="307777"/>
+          </a:xfrm>
+          <a:prstGeom prst="rect">
+            <a:avLst/>
+          </a:prstGeom>
+        </p:spPr>
+        <p:txBody>
+          <a:bodyPr wrap="square">
+            <a:spAutoFit/>
+          </a:bodyPr>
+          <a:lstStyle/>
+          <a:p>
+            <a:r>
+              <a:rPr lang="en-US" sz="1400" dirty="0"/>
+              <a:t>The distribution for each quarter </a:t>
+            </a:r>
+            <a:r>
+              <a:rPr lang="en-US" sz="1400" dirty="0" smtClean="0"/>
+              <a:t>is </a:t>
+            </a:r>
+            <a:r>
+              <a:rPr lang="en-US" sz="1400" b="1" dirty="0" smtClean="0">
+                <a:solidFill>
+                  <a:schemeClr val="accent1">
+                    <a:lumMod val="75000"/>
+                  </a:schemeClr>
+                </a:solidFill>
+              </a:rPr>
+              <a:t>relatively not normal.</a:t>
+            </a:r>
+            <a:endParaRPr lang="id-ID" sz="1400" b="1" dirty="0">
+              <a:solidFill>
+                <a:schemeClr val="accent1">
+                  <a:lumMod val="75000"/>
+                </a:schemeClr>
+              </a:solidFill>
+            </a:endParaRPr>
+          </a:p>
+        </p:txBody>
+      </p:sp>
     </p:spTree>
     <p:extLst>
       <p:ext uri="{BB962C8B-B14F-4D97-AF65-F5344CB8AC3E}">
-        <p14:creationId xmlns:p14="http://schemas.microsoft.com/office/powerpoint/2010/main" val="1204193248"/>
+        <p14:creationId xmlns:p14="http://schemas.microsoft.com/office/powerpoint/2010/main" val="1874777325"/>
       </p:ext>
     </p:extLst>
   </p:cSld>
   <p:clrMapOvr>
     <a:masterClrMapping/>
   </p:clrMapOvr>
-  <mc:AlternateContent xmlns:mc="http://schemas.openxmlformats.org/markup-compatibility/2006">
-    <mc:Choice xmlns:p14="http://schemas.microsoft.com/office/powerpoint/2010/main" Requires="p14">
+  <mc:AlternateContent xmlns:mc="http://schemas.openxmlformats.org/markup-compatibility/2006" xmlns:p14="http://schemas.microsoft.com/office/powerpoint/2010/main">
+    <mc:Choice Requires="p14">
       <p:transition spd="med" p14:dur="700">
         <p:fade/>
       </p:transition>
     </mc:Choice>
-    <mc:Fallback>
+    <mc:Fallback xmlns="">
       <p:transition spd="med">
         <p:fade/>
       </p:transition>
@@ -9675,13 +9584,65 @@
               <a:rPr lang="en-US" sz="1200" dirty="0"/>
               <a:t> Wallis Test</a:t>
             </a:r>
-            <a:endParaRPr lang="en-US" sz="1200" dirty="0"/>
+          </a:p>
+        </p:txBody>
+      </p:sp>
+      <p:sp>
+        <p:nvSpPr>
+          <p:cNvPr id="14" name="Rectangle 13"/>
+          <p:cNvSpPr/>
+          <p:nvPr/>
+        </p:nvSpPr>
+        <p:spPr>
+          <a:xfrm>
+            <a:off x="507076" y="5522784"/>
+            <a:ext cx="11026833" cy="307777"/>
+          </a:xfrm>
+          <a:prstGeom prst="rect">
+            <a:avLst/>
+          </a:prstGeom>
+        </p:spPr>
+        <p:txBody>
+          <a:bodyPr wrap="square">
+            <a:spAutoFit/>
+          </a:bodyPr>
+          <a:lstStyle/>
+          <a:p>
+            <a:r>
+              <a:rPr lang="en-US" sz="1400" dirty="0"/>
+              <a:t>Through this </a:t>
+            </a:r>
+            <a:r>
+              <a:rPr lang="en-US" sz="1400" dirty="0" err="1"/>
+              <a:t>Kruskal</a:t>
+            </a:r>
+            <a:r>
+              <a:rPr lang="en-US" sz="1400" dirty="0"/>
+              <a:t>- Wallis test it is proven that sales among all quarters were </a:t>
+            </a:r>
+            <a:r>
+              <a:rPr lang="en-US" sz="1400" b="1" dirty="0">
+                <a:solidFill>
+                  <a:schemeClr val="accent1">
+                    <a:lumMod val="75000"/>
+                  </a:schemeClr>
+                </a:solidFill>
+              </a:rPr>
+              <a:t>relatively the same.</a:t>
+            </a:r>
+            <a:endParaRPr lang="id-ID" sz="1400" b="1" dirty="0">
+              <a:solidFill>
+                <a:schemeClr val="accent1">
+                  <a:lumMod val="75000"/>
+                </a:schemeClr>
+              </a:solidFill>
+            </a:endParaRPr>
           </a:p>
         </p:txBody>
       </p:sp>
       <p:pic>
         <p:nvPicPr>
-          <p:cNvPr id="2" name="Picture 1"/>
+          <p:cNvPr id="3" name="Picture 2"/>
           <p:cNvPicPr>
             <a:picLocks noChangeAspect="1"/>
           </p:cNvPicPr>
@@ -9695,80 +9656,31 @@
         </p:blipFill>
         <p:spPr>
           <a:xfrm>
-            <a:off x="507076" y="1572563"/>
-            <a:ext cx="5484421" cy="3770892"/>
+            <a:off x="507076" y="1740547"/>
+            <a:ext cx="10285458" cy="3295127"/>
           </a:xfrm>
           <a:prstGeom prst="rect">
             <a:avLst/>
           </a:prstGeom>
         </p:spPr>
       </p:pic>
-      <p:sp>
-        <p:nvSpPr>
-          <p:cNvPr id="14" name="Rectangle 13"/>
-          <p:cNvSpPr/>
-          <p:nvPr/>
-        </p:nvSpPr>
-        <p:spPr>
-          <a:xfrm>
-            <a:off x="507076" y="5522784"/>
-            <a:ext cx="11026833" cy="307777"/>
-          </a:xfrm>
-          <a:prstGeom prst="rect">
-            <a:avLst/>
-          </a:prstGeom>
-        </p:spPr>
-        <p:txBody>
-          <a:bodyPr wrap="square">
-            <a:spAutoFit/>
-          </a:bodyPr>
-          <a:lstStyle/>
-          <a:p>
-            <a:r>
-              <a:rPr lang="en-US" sz="1400" dirty="0"/>
-              <a:t>The distribution for each quarter </a:t>
-            </a:r>
-            <a:r>
-              <a:rPr lang="en-US" sz="1400" dirty="0" smtClean="0"/>
-              <a:t>is </a:t>
-            </a:r>
-            <a:r>
-              <a:rPr lang="en-US" sz="1400" b="1" dirty="0" smtClean="0">
-                <a:solidFill>
-                  <a:schemeClr val="accent1">
-                    <a:lumMod val="75000"/>
-                  </a:schemeClr>
-                </a:solidFill>
-              </a:rPr>
-              <a:t>relatively not normal.</a:t>
-            </a:r>
-            <a:endParaRPr lang="id-ID" sz="1400" b="1" dirty="0">
-              <a:solidFill>
-                <a:schemeClr val="accent1">
-                  <a:lumMod val="75000"/>
-                </a:schemeClr>
-              </a:solidFill>
-            </a:endParaRPr>
-          </a:p>
-        </p:txBody>
-      </p:sp>
     </p:spTree>
     <p:extLst>
       <p:ext uri="{BB962C8B-B14F-4D97-AF65-F5344CB8AC3E}">
-        <p14:creationId xmlns:p14="http://schemas.microsoft.com/office/powerpoint/2010/main" val="1874777325"/>
+        <p14:creationId xmlns:p14="http://schemas.microsoft.com/office/powerpoint/2010/main" val="1936728981"/>
       </p:ext>
     </p:extLst>
   </p:cSld>
   <p:clrMapOvr>
     <a:masterClrMapping/>
   </p:clrMapOvr>
-  <mc:AlternateContent xmlns:mc="http://schemas.openxmlformats.org/markup-compatibility/2006">
-    <mc:Choice xmlns:p14="http://schemas.microsoft.com/office/powerpoint/2010/main" Requires="p14">
+  <mc:AlternateContent xmlns:mc="http://schemas.openxmlformats.org/markup-compatibility/2006" xmlns:p14="http://schemas.microsoft.com/office/powerpoint/2010/main">
+    <mc:Choice Requires="p14">
       <p:transition spd="med" p14:dur="700">
         <p:fade/>
       </p:transition>
     </mc:Choice>
-    <mc:Fallback>
+    <mc:Fallback xmlns="">
       <p:transition spd="med">
         <p:fade/>
       </p:transition>
@@ -9897,7 +9809,7 @@
       </p:sp>
       <p:sp>
         <p:nvSpPr>
-          <p:cNvPr id="12" name="TextBox 11"/>
+          <p:cNvPr id="13" name="TextBox 12"/>
           <p:cNvSpPr txBox="1"/>
           <p:nvPr/>
         </p:nvSpPr>
@@ -9919,30 +9831,26 @@
           <a:p>
             <a:r>
               <a:rPr lang="en-US" sz="1200" dirty="0"/>
-              <a:t>Hypothesis Testing Using </a:t>
-            </a:r>
-            <a:r>
-              <a:rPr lang="en-US" sz="1200" dirty="0" err="1"/>
-              <a:t>Kruskal</a:t>
-            </a:r>
-            <a:r>
-              <a:rPr lang="en-US" sz="1200" dirty="0"/>
-              <a:t> Wallis Test</a:t>
-            </a:r>
-            <a:endParaRPr lang="en-US" sz="1200" dirty="0"/>
-          </a:p>
-        </p:txBody>
-      </p:sp>
-      <p:sp>
-        <p:nvSpPr>
-          <p:cNvPr id="14" name="Rectangle 13"/>
+              <a:t>Performance of Real Estate Sales Based on Yearly </a:t>
+            </a:r>
+            <a:r>
+              <a:rPr lang="en-US" sz="1200" dirty="0" smtClean="0"/>
+              <a:t>Seasons</a:t>
+            </a:r>
+            <a:endParaRPr lang="en-US" sz="1200" dirty="0"/>
+          </a:p>
+        </p:txBody>
+      </p:sp>
+      <p:sp>
+        <p:nvSpPr>
+          <p:cNvPr id="9" name="Rectangle 8"/>
           <p:cNvSpPr/>
           <p:nvPr/>
         </p:nvSpPr>
         <p:spPr>
           <a:xfrm>
-            <a:off x="507076" y="5522784"/>
-            <a:ext cx="11026833" cy="307777"/>
+            <a:off x="507075" y="5454407"/>
+            <a:ext cx="11026833" cy="646331"/>
           </a:xfrm>
           <a:prstGeom prst="rect">
             <a:avLst/>
@@ -9955,40 +9863,30 @@
           <a:lstStyle/>
           <a:p>
             <a:r>
-              <a:rPr lang="en-US" sz="1400" dirty="0"/>
-              <a:t>Through this </a:t>
-            </a:r>
-            <a:r>
-              <a:rPr lang="en-US" sz="1400" dirty="0" err="1"/>
-              <a:t>Kruskal</a:t>
-            </a:r>
-            <a:r>
-              <a:rPr lang="en-US" sz="1400" dirty="0"/>
-              <a:t>- Wallis test it is proven that sales among all quarters were </a:t>
-            </a:r>
-            <a:r>
-              <a:rPr lang="en-US" sz="1400" b="1" dirty="0">
+              <a:rPr lang="en-US" dirty="0"/>
+              <a:t>It can be seen through the stack plot that the amount of real estate sales in the </a:t>
+            </a:r>
+            <a:r>
+              <a:rPr lang="en-US" b="1" dirty="0">
                 <a:solidFill>
                   <a:schemeClr val="accent1">
                     <a:lumMod val="75000"/>
                   </a:schemeClr>
                 </a:solidFill>
               </a:rPr>
-              <a:t>relatively the same.</a:t>
-            </a:r>
-            <a:endParaRPr lang="id-ID" sz="1400" b="1" dirty="0">
-              <a:solidFill>
-                <a:schemeClr val="accent1">
-                  <a:lumMod val="75000"/>
-                </a:schemeClr>
-              </a:solidFill>
-            </a:endParaRPr>
+              <a:t>winter season </a:t>
+            </a:r>
+            <a:r>
+              <a:rPr lang="en-US" dirty="0"/>
+              <a:t>was commonly lower than other seasons.</a:t>
+            </a:r>
+            <a:endParaRPr lang="id-ID" sz="1400" dirty="0"/>
           </a:p>
         </p:txBody>
       </p:sp>
       <p:pic>
         <p:nvPicPr>
-          <p:cNvPr id="3" name="Picture 2"/>
+          <p:cNvPr id="2" name="Picture 1"/>
           <p:cNvPicPr>
             <a:picLocks noChangeAspect="1"/>
           </p:cNvPicPr>
@@ -10002,8 +9900,32 @@
         </p:blipFill>
         <p:spPr>
           <a:xfrm>
-            <a:off x="507076" y="1740547"/>
-            <a:ext cx="10285458" cy="3295127"/>
+            <a:off x="507075" y="1412102"/>
+            <a:ext cx="5765072" cy="3506838"/>
+          </a:xfrm>
+          <a:prstGeom prst="rect">
+            <a:avLst/>
+          </a:prstGeom>
+        </p:spPr>
+      </p:pic>
+      <p:pic>
+        <p:nvPicPr>
+          <p:cNvPr id="3" name="Picture 2"/>
+          <p:cNvPicPr>
+            <a:picLocks noChangeAspect="1"/>
+          </p:cNvPicPr>
+          <p:nvPr/>
+        </p:nvPicPr>
+        <p:blipFill>
+          <a:blip r:embed="rId3"/>
+          <a:stretch>
+            <a:fillRect/>
+          </a:stretch>
+        </p:blipFill>
+        <p:spPr>
+          <a:xfrm>
+            <a:off x="6574640" y="1412102"/>
+            <a:ext cx="3861222" cy="3825375"/>
           </a:xfrm>
           <a:prstGeom prst="rect">
             <a:avLst/>
@@ -10013,20 +9935,20 @@
     </p:spTree>
     <p:extLst>
       <p:ext uri="{BB962C8B-B14F-4D97-AF65-F5344CB8AC3E}">
-        <p14:creationId xmlns:p14="http://schemas.microsoft.com/office/powerpoint/2010/main" val="1936728981"/>
+        <p14:creationId xmlns:p14="http://schemas.microsoft.com/office/powerpoint/2010/main" val="3909981770"/>
       </p:ext>
     </p:extLst>
   </p:cSld>
   <p:clrMapOvr>
     <a:masterClrMapping/>
   </p:clrMapOvr>
-  <mc:AlternateContent xmlns:mc="http://schemas.openxmlformats.org/markup-compatibility/2006">
-    <mc:Choice xmlns:p14="http://schemas.microsoft.com/office/powerpoint/2010/main" Requires="p14">
+  <mc:AlternateContent xmlns:mc="http://schemas.openxmlformats.org/markup-compatibility/2006" xmlns:p14="http://schemas.microsoft.com/office/powerpoint/2010/main">
+    <mc:Choice Requires="p14">
       <p:transition spd="med" p14:dur="700">
         <p:fade/>
       </p:transition>
     </mc:Choice>
-    <mc:Fallback>
+    <mc:Fallback xmlns="">
       <p:transition spd="med">
         <p:fade/>
       </p:transition>
@@ -10162,7 +10084,7 @@
         <p:spPr>
           <a:xfrm>
             <a:off x="508461" y="447092"/>
-            <a:ext cx="4856019" cy="276999"/>
+            <a:ext cx="4856019" cy="461665"/>
           </a:xfrm>
           <a:prstGeom prst="rect">
             <a:avLst/>
@@ -10177,62 +10099,14 @@
           <a:p>
             <a:r>
               <a:rPr lang="en-US" sz="1200" dirty="0"/>
-              <a:t>Performance of Real Estate Sales Based on Yearly </a:t>
-            </a:r>
-            <a:r>
-              <a:rPr lang="en-US" sz="1200" dirty="0" smtClean="0"/>
-              <a:t>Seasons</a:t>
-            </a:r>
-            <a:endParaRPr lang="en-US" sz="1200" dirty="0"/>
-          </a:p>
-        </p:txBody>
-      </p:sp>
-      <p:sp>
-        <p:nvSpPr>
-          <p:cNvPr id="9" name="Rectangle 8"/>
-          <p:cNvSpPr/>
-          <p:nvPr/>
-        </p:nvSpPr>
-        <p:spPr>
-          <a:xfrm>
-            <a:off x="507075" y="5454407"/>
-            <a:ext cx="11026833" cy="646331"/>
-          </a:xfrm>
-          <a:prstGeom prst="rect">
-            <a:avLst/>
-          </a:prstGeom>
-        </p:spPr>
-        <p:txBody>
-          <a:bodyPr wrap="square">
-            <a:spAutoFit/>
-          </a:bodyPr>
-          <a:lstStyle/>
-          <a:p>
-            <a:r>
-              <a:rPr lang="en-US" dirty="0"/>
-              <a:t>It can be seen through the stack plot that the amount of real estate sales in the </a:t>
-            </a:r>
-            <a:r>
-              <a:rPr lang="en-US" b="1" dirty="0">
-                <a:solidFill>
-                  <a:schemeClr val="accent1">
-                    <a:lumMod val="75000"/>
-                  </a:schemeClr>
-                </a:solidFill>
-              </a:rPr>
-              <a:t>winter season </a:t>
-            </a:r>
-            <a:r>
-              <a:rPr lang="en-US" dirty="0"/>
-              <a:t>was commonly lower than other seasons.</a:t>
-            </a:r>
-            <a:endParaRPr lang="id-ID" sz="1400" dirty="0"/>
+              <a:t>Ranking of Suburbs in Canberra Solely Based on Real Estate Sales Throughout the Period</a:t>
+            </a:r>
           </a:p>
         </p:txBody>
       </p:sp>
       <p:pic>
         <p:nvPicPr>
-          <p:cNvPr id="2" name="Picture 1"/>
+          <p:cNvPr id="7" name="Picture 6"/>
           <p:cNvPicPr>
             <a:picLocks noChangeAspect="1"/>
           </p:cNvPicPr>
@@ -10246,32 +10120,8 @@
         </p:blipFill>
         <p:spPr>
           <a:xfrm>
-            <a:off x="507075" y="1412102"/>
-            <a:ext cx="5765072" cy="3506838"/>
-          </a:xfrm>
-          <a:prstGeom prst="rect">
-            <a:avLst/>
-          </a:prstGeom>
-        </p:spPr>
-      </p:pic>
-      <p:pic>
-        <p:nvPicPr>
-          <p:cNvPr id="3" name="Picture 2"/>
-          <p:cNvPicPr>
-            <a:picLocks noChangeAspect="1"/>
-          </p:cNvPicPr>
-          <p:nvPr/>
-        </p:nvPicPr>
-        <p:blipFill>
-          <a:blip r:embed="rId3"/>
-          <a:stretch>
-            <a:fillRect/>
-          </a:stretch>
-        </p:blipFill>
-        <p:spPr>
-          <a:xfrm>
-            <a:off x="6574640" y="1412102"/>
-            <a:ext cx="3861222" cy="3825375"/>
+            <a:off x="507075" y="1290889"/>
+            <a:ext cx="8171736" cy="4644647"/>
           </a:xfrm>
           <a:prstGeom prst="rect">
             <a:avLst/>
@@ -10281,20 +10131,20 @@
     </p:spTree>
     <p:extLst>
       <p:ext uri="{BB962C8B-B14F-4D97-AF65-F5344CB8AC3E}">
-        <p14:creationId xmlns:p14="http://schemas.microsoft.com/office/powerpoint/2010/main" val="3909981770"/>
+        <p14:creationId xmlns:p14="http://schemas.microsoft.com/office/powerpoint/2010/main" val="1471887531"/>
       </p:ext>
     </p:extLst>
   </p:cSld>
   <p:clrMapOvr>
     <a:masterClrMapping/>
   </p:clrMapOvr>
-  <mc:AlternateContent xmlns:mc="http://schemas.openxmlformats.org/markup-compatibility/2006">
-    <mc:Choice xmlns:p14="http://schemas.microsoft.com/office/powerpoint/2010/main" Requires="p14">
+  <mc:AlternateContent xmlns:mc="http://schemas.openxmlformats.org/markup-compatibility/2006" xmlns:p14="http://schemas.microsoft.com/office/powerpoint/2010/main">
+    <mc:Choice Requires="p14">
       <p:transition spd="med" p14:dur="700">
         <p:fade/>
       </p:transition>
     </mc:Choice>
-    <mc:Fallback>
+    <mc:Fallback xmlns="">
       <p:transition spd="med">
         <p:fade/>
       </p:transition>
@@ -10430,7 +10280,7 @@
         <p:spPr>
           <a:xfrm>
             <a:off x="508461" y="447092"/>
-            <a:ext cx="4856019" cy="461665"/>
+            <a:ext cx="5587539" cy="461665"/>
           </a:xfrm>
           <a:prstGeom prst="rect">
             <a:avLst/>
@@ -10445,15 +10295,14 @@
           <a:p>
             <a:r>
               <a:rPr lang="en-US" sz="1200" dirty="0"/>
-              <a:t>Ranking of Suburbs in Canberra Solely Based on Real Estate Sales Throughout the Period</a:t>
-            </a:r>
-            <a:endParaRPr lang="en-US" sz="1200" dirty="0"/>
+              <a:t>Distribution of Suburbs Real Estate Sales Throughout the Period in Canberra Based on Property Type</a:t>
+            </a:r>
           </a:p>
         </p:txBody>
       </p:sp>
       <p:pic>
         <p:nvPicPr>
-          <p:cNvPr id="7" name="Picture 6"/>
+          <p:cNvPr id="8" name="Picture 7"/>
           <p:cNvPicPr>
             <a:picLocks noChangeAspect="1"/>
           </p:cNvPicPr>
@@ -10467,8 +10316,8 @@
         </p:blipFill>
         <p:spPr>
           <a:xfrm>
-            <a:off x="507075" y="1290889"/>
-            <a:ext cx="8171736" cy="4644647"/>
+            <a:off x="507074" y="1125688"/>
+            <a:ext cx="7694247" cy="4979021"/>
           </a:xfrm>
           <a:prstGeom prst="rect">
             <a:avLst/>
@@ -10478,20 +10327,20 @@
     </p:spTree>
     <p:extLst>
       <p:ext uri="{BB962C8B-B14F-4D97-AF65-F5344CB8AC3E}">
-        <p14:creationId xmlns:p14="http://schemas.microsoft.com/office/powerpoint/2010/main" val="1471887531"/>
+        <p14:creationId xmlns:p14="http://schemas.microsoft.com/office/powerpoint/2010/main" val="569074691"/>
       </p:ext>
     </p:extLst>
   </p:cSld>
   <p:clrMapOvr>
     <a:masterClrMapping/>
   </p:clrMapOvr>
-  <mc:AlternateContent xmlns:mc="http://schemas.openxmlformats.org/markup-compatibility/2006">
-    <mc:Choice xmlns:p14="http://schemas.microsoft.com/office/powerpoint/2010/main" Requires="p14">
+  <mc:AlternateContent xmlns:mc="http://schemas.openxmlformats.org/markup-compatibility/2006" xmlns:p14="http://schemas.microsoft.com/office/powerpoint/2010/main">
+    <mc:Choice Requires="p14">
       <p:transition spd="med" p14:dur="700">
         <p:fade/>
       </p:transition>
     </mc:Choice>
-    <mc:Fallback>
+    <mc:Fallback xmlns="">
       <p:transition spd="med">
         <p:fade/>
       </p:transition>
@@ -10627,7 +10476,7 @@
         <p:spPr>
           <a:xfrm>
             <a:off x="508461" y="447092"/>
-            <a:ext cx="5587539" cy="461665"/>
+            <a:ext cx="4856019" cy="461665"/>
           </a:xfrm>
           <a:prstGeom prst="rect">
             <a:avLst/>
@@ -10642,15 +10491,14 @@
           <a:p>
             <a:r>
               <a:rPr lang="en-US" sz="1200" dirty="0"/>
-              <a:t>Distribution of Suburbs Real Estate Sales Throughout the Period in Canberra Based on Property Type</a:t>
-            </a:r>
-            <a:endParaRPr lang="en-US" sz="1200" dirty="0"/>
+              <a:t>20 Suburbs with the Highest Amount of Real Estate Sales Grouped By Their Property Type</a:t>
+            </a:r>
           </a:p>
         </p:txBody>
       </p:sp>
       <p:pic>
         <p:nvPicPr>
-          <p:cNvPr id="8" name="Picture 7"/>
+          <p:cNvPr id="7" name="Picture 6"/>
           <p:cNvPicPr>
             <a:picLocks noChangeAspect="1"/>
           </p:cNvPicPr>
@@ -10664,8 +10512,32 @@
         </p:blipFill>
         <p:spPr>
           <a:xfrm>
-            <a:off x="507074" y="1125688"/>
-            <a:ext cx="7694247" cy="4979021"/>
+            <a:off x="8125616" y="1379611"/>
+            <a:ext cx="2186321" cy="4542217"/>
+          </a:xfrm>
+          <a:prstGeom prst="rect">
+            <a:avLst/>
+          </a:prstGeom>
+        </p:spPr>
+      </p:pic>
+      <p:pic>
+        <p:nvPicPr>
+          <p:cNvPr id="8" name="Picture 7"/>
+          <p:cNvPicPr>
+            <a:picLocks noChangeAspect="1"/>
+          </p:cNvPicPr>
+          <p:nvPr/>
+        </p:nvPicPr>
+        <p:blipFill>
+          <a:blip r:embed="rId3"/>
+          <a:stretch>
+            <a:fillRect/>
+          </a:stretch>
+        </p:blipFill>
+        <p:spPr>
+          <a:xfrm>
+            <a:off x="507076" y="3212569"/>
+            <a:ext cx="7153275" cy="876300"/>
           </a:xfrm>
           <a:prstGeom prst="rect">
             <a:avLst/>
@@ -10675,20 +10547,20 @@
     </p:spTree>
     <p:extLst>
       <p:ext uri="{BB962C8B-B14F-4D97-AF65-F5344CB8AC3E}">
-        <p14:creationId xmlns:p14="http://schemas.microsoft.com/office/powerpoint/2010/main" val="569074691"/>
+        <p14:creationId xmlns:p14="http://schemas.microsoft.com/office/powerpoint/2010/main" val="1593368430"/>
       </p:ext>
     </p:extLst>
   </p:cSld>
   <p:clrMapOvr>
     <a:masterClrMapping/>
   </p:clrMapOvr>
-  <mc:AlternateContent xmlns:mc="http://schemas.openxmlformats.org/markup-compatibility/2006">
-    <mc:Choice xmlns:p14="http://schemas.microsoft.com/office/powerpoint/2010/main" Requires="p14">
+  <mc:AlternateContent xmlns:mc="http://schemas.openxmlformats.org/markup-compatibility/2006" xmlns:p14="http://schemas.microsoft.com/office/powerpoint/2010/main">
+    <mc:Choice Requires="p14">
       <p:transition spd="med" p14:dur="700">
         <p:fade/>
       </p:transition>
     </mc:Choice>
-    <mc:Fallback>
+    <mc:Fallback xmlns="">
       <p:transition spd="med">
         <p:fade/>
       </p:transition>
@@ -10824,22 +10696,22 @@
         <p:spPr>
           <a:xfrm>
             <a:off x="508461" y="447092"/>
-            <a:ext cx="4856019" cy="461665"/>
-          </a:xfrm>
-          <a:prstGeom prst="rect">
-            <a:avLst/>
-          </a:prstGeom>
-          <a:noFill/>
-        </p:spPr>
-        <p:txBody>
-          <a:bodyPr wrap="square" rtlCol="0">
-            <a:spAutoFit/>
-          </a:bodyPr>
-          <a:lstStyle/>
-          <a:p>
-            <a:r>
-              <a:rPr lang="en-US" sz="1200" dirty="0"/>
-              <a:t>20 Suburbs with the Highest Amount of Real Estate Sales Grouped By Their Property Type</a:t>
+            <a:ext cx="4856019" cy="276999"/>
+          </a:xfrm>
+          <a:prstGeom prst="rect">
+            <a:avLst/>
+          </a:prstGeom>
+          <a:noFill/>
+        </p:spPr>
+        <p:txBody>
+          <a:bodyPr wrap="square" rtlCol="0">
+            <a:spAutoFit/>
+          </a:bodyPr>
+          <a:lstStyle/>
+          <a:p>
+            <a:r>
+              <a:rPr lang="en-US" sz="1200" dirty="0" smtClean="0"/>
+              <a:t>Unit sales outweigh house sales</a:t>
             </a:r>
             <a:endParaRPr lang="en-US" sz="1200" dirty="0"/>
           </a:p>
@@ -10861,32 +10733,8 @@
         </p:blipFill>
         <p:spPr>
           <a:xfrm>
-            <a:off x="8125616" y="1379611"/>
-            <a:ext cx="2186321" cy="4542217"/>
-          </a:xfrm>
-          <a:prstGeom prst="rect">
-            <a:avLst/>
-          </a:prstGeom>
-        </p:spPr>
-      </p:pic>
-      <p:pic>
-        <p:nvPicPr>
-          <p:cNvPr id="8" name="Picture 7"/>
-          <p:cNvPicPr>
-            <a:picLocks noChangeAspect="1"/>
-          </p:cNvPicPr>
-          <p:nvPr/>
-        </p:nvPicPr>
-        <p:blipFill>
-          <a:blip r:embed="rId3"/>
-          <a:stretch>
-            <a:fillRect/>
-          </a:stretch>
-        </p:blipFill>
-        <p:spPr>
-          <a:xfrm>
-            <a:off x="507076" y="3212569"/>
-            <a:ext cx="7153275" cy="876300"/>
+            <a:off x="507075" y="1281767"/>
+            <a:ext cx="6834692" cy="4500725"/>
           </a:xfrm>
           <a:prstGeom prst="rect">
             <a:avLst/>
@@ -10896,20 +10744,20 @@
     </p:spTree>
     <p:extLst>
       <p:ext uri="{BB962C8B-B14F-4D97-AF65-F5344CB8AC3E}">
-        <p14:creationId xmlns:p14="http://schemas.microsoft.com/office/powerpoint/2010/main" val="1593368430"/>
+        <p14:creationId xmlns:p14="http://schemas.microsoft.com/office/powerpoint/2010/main" val="1188305712"/>
       </p:ext>
     </p:extLst>
   </p:cSld>
   <p:clrMapOvr>
     <a:masterClrMapping/>
   </p:clrMapOvr>
-  <mc:AlternateContent xmlns:mc="http://schemas.openxmlformats.org/markup-compatibility/2006">
-    <mc:Choice xmlns:p14="http://schemas.microsoft.com/office/powerpoint/2010/main" Requires="p14">
+  <mc:AlternateContent xmlns:mc="http://schemas.openxmlformats.org/markup-compatibility/2006" xmlns:p14="http://schemas.microsoft.com/office/powerpoint/2010/main">
+    <mc:Choice Requires="p14">
       <p:transition spd="med" p14:dur="700">
         <p:fade/>
       </p:transition>
     </mc:Choice>
-    <mc:Fallback>
+    <mc:Fallback xmlns="">
       <p:transition spd="med">
         <p:fade/>
       </p:transition>
@@ -11059,10 +10907,9 @@
           <a:lstStyle/>
           <a:p>
             <a:r>
-              <a:rPr lang="en-US" sz="1200" dirty="0" smtClean="0"/>
-              <a:t>Unit sales outweigh house sales</a:t>
-            </a:r>
-            <a:endParaRPr lang="en-US" sz="1200" dirty="0"/>
+              <a:rPr lang="en-US" sz="1200" dirty="0"/>
+              <a:t>House sales outweigh unit sales</a:t>
+            </a:r>
           </a:p>
         </p:txBody>
       </p:sp>
@@ -11082,8 +10929,8 @@
         </p:blipFill>
         <p:spPr>
           <a:xfrm>
-            <a:off x="507075" y="1281767"/>
-            <a:ext cx="6834692" cy="4500725"/>
+            <a:off x="507075" y="1279607"/>
+            <a:ext cx="8375668" cy="4485468"/>
           </a:xfrm>
           <a:prstGeom prst="rect">
             <a:avLst/>
@@ -11093,20 +10940,20 @@
     </p:spTree>
     <p:extLst>
       <p:ext uri="{BB962C8B-B14F-4D97-AF65-F5344CB8AC3E}">
-        <p14:creationId xmlns:p14="http://schemas.microsoft.com/office/powerpoint/2010/main" val="1188305712"/>
+        <p14:creationId xmlns:p14="http://schemas.microsoft.com/office/powerpoint/2010/main" val="531649522"/>
       </p:ext>
     </p:extLst>
   </p:cSld>
   <p:clrMapOvr>
     <a:masterClrMapping/>
   </p:clrMapOvr>
-  <mc:AlternateContent xmlns:mc="http://schemas.openxmlformats.org/markup-compatibility/2006">
-    <mc:Choice xmlns:p14="http://schemas.microsoft.com/office/powerpoint/2010/main" Requires="p14">
+  <mc:AlternateContent xmlns:mc="http://schemas.openxmlformats.org/markup-compatibility/2006" xmlns:p14="http://schemas.microsoft.com/office/powerpoint/2010/main">
+    <mc:Choice Requires="p14">
       <p:transition spd="med" p14:dur="700">
         <p:fade/>
       </p:transition>
     </mc:Choice>
-    <mc:Fallback>
+    <mc:Fallback xmlns="">
       <p:transition spd="med">
         <p:fade/>
       </p:transition>
@@ -11257,15 +11104,14 @@
           <a:p>
             <a:r>
               <a:rPr lang="en-US" sz="1200" dirty="0"/>
-              <a:t>House sales outweigh unit sales</a:t>
-            </a:r>
-            <a:endParaRPr lang="en-US" sz="1200" dirty="0"/>
+              <a:t>5 Suburbs with the Highest Amount of Real Estate Sales</a:t>
+            </a:r>
           </a:p>
         </p:txBody>
       </p:sp>
       <p:pic>
         <p:nvPicPr>
-          <p:cNvPr id="7" name="Picture 6"/>
+          <p:cNvPr id="2" name="Picture 1"/>
           <p:cNvPicPr>
             <a:picLocks noChangeAspect="1"/>
           </p:cNvPicPr>
@@ -11279,8 +11125,8 @@
         </p:blipFill>
         <p:spPr>
           <a:xfrm>
-            <a:off x="507075" y="1279607"/>
-            <a:ext cx="8375668" cy="4485468"/>
+            <a:off x="507076" y="2150924"/>
+            <a:ext cx="10083770" cy="2739911"/>
           </a:xfrm>
           <a:prstGeom prst="rect">
             <a:avLst/>
@@ -11290,20 +11136,20 @@
     </p:spTree>
     <p:extLst>
       <p:ext uri="{BB962C8B-B14F-4D97-AF65-F5344CB8AC3E}">
-        <p14:creationId xmlns:p14="http://schemas.microsoft.com/office/powerpoint/2010/main" val="531649522"/>
+        <p14:creationId xmlns:p14="http://schemas.microsoft.com/office/powerpoint/2010/main" val="4017947299"/>
       </p:ext>
     </p:extLst>
   </p:cSld>
   <p:clrMapOvr>
     <a:masterClrMapping/>
   </p:clrMapOvr>
-  <mc:AlternateContent xmlns:mc="http://schemas.openxmlformats.org/markup-compatibility/2006">
-    <mc:Choice xmlns:p14="http://schemas.microsoft.com/office/powerpoint/2010/main" Requires="p14">
+  <mc:AlternateContent xmlns:mc="http://schemas.openxmlformats.org/markup-compatibility/2006" xmlns:p14="http://schemas.microsoft.com/office/powerpoint/2010/main">
+    <mc:Choice Requires="p14">
       <p:transition spd="med" p14:dur="700">
         <p:fade/>
       </p:transition>
     </mc:Choice>
-    <mc:Fallback>
+    <mc:Fallback xmlns="">
       <p:transition spd="med">
         <p:fade/>
       </p:transition>
@@ -11568,13 +11414,13 @@
   <p:clrMapOvr>
     <a:masterClrMapping/>
   </p:clrMapOvr>
-  <mc:AlternateContent xmlns:mc="http://schemas.openxmlformats.org/markup-compatibility/2006">
-    <mc:Choice xmlns:p14="http://schemas.microsoft.com/office/powerpoint/2010/main" Requires="p14">
+  <mc:AlternateContent xmlns:mc="http://schemas.openxmlformats.org/markup-compatibility/2006" xmlns:p14="http://schemas.microsoft.com/office/powerpoint/2010/main">
+    <mc:Choice Requires="p14">
       <p:transition spd="med" p14:dur="700">
         <p:fade/>
       </p:transition>
     </mc:Choice>
-    <mc:Fallback>
+    <mc:Fallback xmlns="">
       <p:transition spd="med">
         <p:fade/>
       </p:transition>
@@ -11725,15 +11571,22 @@
           <a:p>
             <a:r>
               <a:rPr lang="en-US" sz="1200" dirty="0"/>
-              <a:t>5 Suburbs with the Highest Amount of Real Estate Sales</a:t>
-            </a:r>
-            <a:endParaRPr lang="en-US" sz="1200" dirty="0"/>
+              <a:t>5 Suburbs with the </a:t>
+            </a:r>
+            <a:r>
+              <a:rPr lang="en-US" sz="1200" dirty="0" smtClean="0"/>
+              <a:t>Least </a:t>
+            </a:r>
+            <a:r>
+              <a:rPr lang="en-US" sz="1200" dirty="0"/>
+              <a:t>Amount of Real Estate Sales</a:t>
+            </a:r>
           </a:p>
         </p:txBody>
       </p:sp>
       <p:pic>
         <p:nvPicPr>
-          <p:cNvPr id="2" name="Picture 1"/>
+          <p:cNvPr id="3" name="Picture 2"/>
           <p:cNvPicPr>
             <a:picLocks noChangeAspect="1"/>
           </p:cNvPicPr>
@@ -11747,8 +11600,8 @@
         </p:blipFill>
         <p:spPr>
           <a:xfrm>
-            <a:off x="507076" y="2150924"/>
-            <a:ext cx="10083770" cy="2739911"/>
+            <a:off x="507076" y="2188163"/>
+            <a:ext cx="10223860" cy="2481674"/>
           </a:xfrm>
           <a:prstGeom prst="rect">
             <a:avLst/>
@@ -11758,20 +11611,20 @@
     </p:spTree>
     <p:extLst>
       <p:ext uri="{BB962C8B-B14F-4D97-AF65-F5344CB8AC3E}">
-        <p14:creationId xmlns:p14="http://schemas.microsoft.com/office/powerpoint/2010/main" val="4017947299"/>
+        <p14:creationId xmlns:p14="http://schemas.microsoft.com/office/powerpoint/2010/main" val="1861735903"/>
       </p:ext>
     </p:extLst>
   </p:cSld>
   <p:clrMapOvr>
     <a:masterClrMapping/>
   </p:clrMapOvr>
-  <mc:AlternateContent xmlns:mc="http://schemas.openxmlformats.org/markup-compatibility/2006">
-    <mc:Choice xmlns:p14="http://schemas.microsoft.com/office/powerpoint/2010/main" Requires="p14">
+  <mc:AlternateContent xmlns:mc="http://schemas.openxmlformats.org/markup-compatibility/2006" xmlns:p14="http://schemas.microsoft.com/office/powerpoint/2010/main">
+    <mc:Choice Requires="p14">
       <p:transition spd="med" p14:dur="700">
         <p:fade/>
       </p:transition>
     </mc:Choice>
-    <mc:Fallback>
+    <mc:Fallback xmlns="">
       <p:transition spd="med">
         <p:fade/>
       </p:transition>
@@ -11907,7 +11760,7 @@
         <p:spPr>
           <a:xfrm>
             <a:off x="508461" y="447092"/>
-            <a:ext cx="4856019" cy="276999"/>
+            <a:ext cx="4551219" cy="461665"/>
           </a:xfrm>
           <a:prstGeom prst="rect">
             <a:avLst/>
@@ -11922,23 +11775,14 @@
           <a:p>
             <a:r>
               <a:rPr lang="en-US" sz="1200" dirty="0"/>
-              <a:t>5 Suburbs with the </a:t>
-            </a:r>
-            <a:r>
-              <a:rPr lang="en-US" sz="1200" dirty="0" smtClean="0"/>
-              <a:t>Least </a:t>
-            </a:r>
-            <a:r>
-              <a:rPr lang="en-US" sz="1200" dirty="0"/>
-              <a:t>Amount of Real Estate Sales</a:t>
-            </a:r>
-            <a:endParaRPr lang="en-US" sz="1200" dirty="0"/>
+              <a:t>Real Estate Pricing Trend Over the Years Based on Suburbs and Property Type</a:t>
+            </a:r>
           </a:p>
         </p:txBody>
       </p:sp>
       <p:pic>
         <p:nvPicPr>
-          <p:cNvPr id="3" name="Picture 2"/>
+          <p:cNvPr id="2" name="Picture 1"/>
           <p:cNvPicPr>
             <a:picLocks noChangeAspect="1"/>
           </p:cNvPicPr>
@@ -11952,8 +11796,56 @@
         </p:blipFill>
         <p:spPr>
           <a:xfrm>
-            <a:off x="507076" y="2188163"/>
-            <a:ext cx="10223860" cy="2481674"/>
+            <a:off x="381000" y="1394323"/>
+            <a:ext cx="11430000" cy="1247775"/>
+          </a:xfrm>
+          <a:prstGeom prst="rect">
+            <a:avLst/>
+          </a:prstGeom>
+        </p:spPr>
+      </p:pic>
+      <p:pic>
+        <p:nvPicPr>
+          <p:cNvPr id="7" name="Picture 6"/>
+          <p:cNvPicPr>
+            <a:picLocks noChangeAspect="1"/>
+          </p:cNvPicPr>
+          <p:nvPr/>
+        </p:nvPicPr>
+        <p:blipFill>
+          <a:blip r:embed="rId3"/>
+          <a:stretch>
+            <a:fillRect/>
+          </a:stretch>
+        </p:blipFill>
+        <p:spPr>
+          <a:xfrm>
+            <a:off x="1448888" y="2847423"/>
+            <a:ext cx="9294223" cy="3024486"/>
+          </a:xfrm>
+          <a:prstGeom prst="rect">
+            <a:avLst/>
+          </a:prstGeom>
+        </p:spPr>
+      </p:pic>
+      <p:pic>
+        <p:nvPicPr>
+          <p:cNvPr id="8" name="Picture 7"/>
+          <p:cNvPicPr>
+            <a:picLocks noChangeAspect="1"/>
+          </p:cNvPicPr>
+          <p:nvPr/>
+        </p:nvPicPr>
+        <p:blipFill>
+          <a:blip r:embed="rId4"/>
+          <a:stretch>
+            <a:fillRect/>
+          </a:stretch>
+        </p:blipFill>
+        <p:spPr>
+          <a:xfrm>
+            <a:off x="381000" y="2935061"/>
+            <a:ext cx="762000" cy="552450"/>
           </a:xfrm>
           <a:prstGeom prst="rect">
             <a:avLst/>
@@ -11963,20 +11855,20 @@
     </p:spTree>
     <p:extLst>
       <p:ext uri="{BB962C8B-B14F-4D97-AF65-F5344CB8AC3E}">
-        <p14:creationId xmlns:p14="http://schemas.microsoft.com/office/powerpoint/2010/main" val="1861735903"/>
+        <p14:creationId xmlns:p14="http://schemas.microsoft.com/office/powerpoint/2010/main" val="1995746122"/>
       </p:ext>
     </p:extLst>
   </p:cSld>
   <p:clrMapOvr>
     <a:masterClrMapping/>
   </p:clrMapOvr>
-  <mc:AlternateContent xmlns:mc="http://schemas.openxmlformats.org/markup-compatibility/2006">
-    <mc:Choice xmlns:p14="http://schemas.microsoft.com/office/powerpoint/2010/main" Requires="p14">
+  <mc:AlternateContent xmlns:mc="http://schemas.openxmlformats.org/markup-compatibility/2006" xmlns:p14="http://schemas.microsoft.com/office/powerpoint/2010/main">
+    <mc:Choice Requires="p14">
       <p:transition spd="med" p14:dur="700">
         <p:fade/>
       </p:transition>
     </mc:Choice>
-    <mc:Fallback>
+    <mc:Fallback xmlns="">
       <p:transition spd="med">
         <p:fade/>
       </p:transition>
@@ -12129,13 +12021,12 @@
               <a:rPr lang="en-US" sz="1200" dirty="0"/>
               <a:t>Real Estate Pricing Trend Over the Years Based on Suburbs and Property Type</a:t>
             </a:r>
-            <a:endParaRPr lang="en-US" sz="1200" dirty="0"/>
           </a:p>
         </p:txBody>
       </p:sp>
       <p:pic>
         <p:nvPicPr>
-          <p:cNvPr id="2" name="Picture 1"/>
+          <p:cNvPr id="3" name="Picture 2"/>
           <p:cNvPicPr>
             <a:picLocks noChangeAspect="1"/>
           </p:cNvPicPr>
@@ -12149,8 +12040,8 @@
         </p:blipFill>
         <p:spPr>
           <a:xfrm>
-            <a:off x="381000" y="1394323"/>
-            <a:ext cx="11430000" cy="1247775"/>
+            <a:off x="3040491" y="1573401"/>
+            <a:ext cx="6111018" cy="4079624"/>
           </a:xfrm>
           <a:prstGeom prst="rect">
             <a:avLst/>
@@ -12159,7 +12050,7 @@
       </p:pic>
       <p:pic>
         <p:nvPicPr>
-          <p:cNvPr id="7" name="Picture 6"/>
+          <p:cNvPr id="9" name="Picture 8"/>
           <p:cNvPicPr>
             <a:picLocks noChangeAspect="1"/>
           </p:cNvPicPr>
@@ -12173,31 +12064,7 @@
         </p:blipFill>
         <p:spPr>
           <a:xfrm>
-            <a:off x="1448888" y="2847423"/>
-            <a:ext cx="9294223" cy="3024486"/>
-          </a:xfrm>
-          <a:prstGeom prst="rect">
-            <a:avLst/>
-          </a:prstGeom>
-        </p:spPr>
-      </p:pic>
-      <p:pic>
-        <p:nvPicPr>
-          <p:cNvPr id="8" name="Picture 7"/>
-          <p:cNvPicPr>
-            <a:picLocks noChangeAspect="1"/>
-          </p:cNvPicPr>
-          <p:nvPr/>
-        </p:nvPicPr>
-        <p:blipFill>
-          <a:blip r:embed="rId4"/>
-          <a:stretch>
-            <a:fillRect/>
-          </a:stretch>
-        </p:blipFill>
-        <p:spPr>
-          <a:xfrm>
-            <a:off x="381000" y="2935061"/>
+            <a:off x="507076" y="5100575"/>
             <a:ext cx="762000" cy="552450"/>
           </a:xfrm>
           <a:prstGeom prst="rect">
@@ -12208,20 +12075,20 @@
     </p:spTree>
     <p:extLst>
       <p:ext uri="{BB962C8B-B14F-4D97-AF65-F5344CB8AC3E}">
-        <p14:creationId xmlns:p14="http://schemas.microsoft.com/office/powerpoint/2010/main" val="1995746122"/>
+        <p14:creationId xmlns:p14="http://schemas.microsoft.com/office/powerpoint/2010/main" val="1055484100"/>
       </p:ext>
     </p:extLst>
   </p:cSld>
   <p:clrMapOvr>
     <a:masterClrMapping/>
   </p:clrMapOvr>
-  <mc:AlternateContent xmlns:mc="http://schemas.openxmlformats.org/markup-compatibility/2006">
-    <mc:Choice xmlns:p14="http://schemas.microsoft.com/office/powerpoint/2010/main" Requires="p14">
+  <mc:AlternateContent xmlns:mc="http://schemas.openxmlformats.org/markup-compatibility/2006" xmlns:p14="http://schemas.microsoft.com/office/powerpoint/2010/main">
+    <mc:Choice Requires="p14">
       <p:transition spd="med" p14:dur="700">
         <p:fade/>
       </p:transition>
     </mc:Choice>
-    <mc:Fallback>
+    <mc:Fallback xmlns="">
       <p:transition spd="med">
         <p:fade/>
       </p:transition>
@@ -12374,13 +12241,12 @@
               <a:rPr lang="en-US" sz="1200" dirty="0"/>
               <a:t>Real Estate Pricing Trend Over the Years Based on Suburbs and Property Type</a:t>
             </a:r>
-            <a:endParaRPr lang="en-US" sz="1200" dirty="0"/>
           </a:p>
         </p:txBody>
       </p:sp>
       <p:pic>
         <p:nvPicPr>
-          <p:cNvPr id="3" name="Picture 2"/>
+          <p:cNvPr id="2" name="Picture 1"/>
           <p:cNvPicPr>
             <a:picLocks noChangeAspect="1"/>
           </p:cNvPicPr>
@@ -12394,8 +12260,8 @@
         </p:blipFill>
         <p:spPr>
           <a:xfrm>
-            <a:off x="3040491" y="1573401"/>
-            <a:ext cx="6111018" cy="4079624"/>
+            <a:off x="3115470" y="1629836"/>
+            <a:ext cx="5961060" cy="3966754"/>
           </a:xfrm>
           <a:prstGeom prst="rect">
             <a:avLst/>
@@ -12404,7 +12270,7 @@
       </p:pic>
       <p:pic>
         <p:nvPicPr>
-          <p:cNvPr id="9" name="Picture 8"/>
+          <p:cNvPr id="8" name="Picture 7"/>
           <p:cNvPicPr>
             <a:picLocks noChangeAspect="1"/>
           </p:cNvPicPr>
@@ -12429,20 +12295,20 @@
     </p:spTree>
     <p:extLst>
       <p:ext uri="{BB962C8B-B14F-4D97-AF65-F5344CB8AC3E}">
-        <p14:creationId xmlns:p14="http://schemas.microsoft.com/office/powerpoint/2010/main" val="1055484100"/>
+        <p14:creationId xmlns:p14="http://schemas.microsoft.com/office/powerpoint/2010/main" val="695436077"/>
       </p:ext>
     </p:extLst>
   </p:cSld>
   <p:clrMapOvr>
     <a:masterClrMapping/>
   </p:clrMapOvr>
-  <mc:AlternateContent xmlns:mc="http://schemas.openxmlformats.org/markup-compatibility/2006">
-    <mc:Choice xmlns:p14="http://schemas.microsoft.com/office/powerpoint/2010/main" Requires="p14">
+  <mc:AlternateContent xmlns:mc="http://schemas.openxmlformats.org/markup-compatibility/2006" xmlns:p14="http://schemas.microsoft.com/office/powerpoint/2010/main">
+    <mc:Choice Requires="p14">
       <p:transition spd="med" p14:dur="700">
         <p:fade/>
       </p:transition>
     </mc:Choice>
-    <mc:Fallback>
+    <mc:Fallback xmlns="">
       <p:transition spd="med">
         <p:fade/>
       </p:transition>
@@ -12595,13 +12461,12 @@
               <a:rPr lang="en-US" sz="1200" dirty="0"/>
               <a:t>Real Estate Pricing Trend Over the Years Based on Suburbs and Property Type</a:t>
             </a:r>
-            <a:endParaRPr lang="en-US" sz="1200" dirty="0"/>
           </a:p>
         </p:txBody>
       </p:sp>
       <p:pic>
         <p:nvPicPr>
-          <p:cNvPr id="2" name="Picture 1"/>
+          <p:cNvPr id="3" name="Picture 2"/>
           <p:cNvPicPr>
             <a:picLocks noChangeAspect="1"/>
           </p:cNvPicPr>
@@ -12615,8 +12480,8 @@
         </p:blipFill>
         <p:spPr>
           <a:xfrm>
-            <a:off x="3115470" y="1629836"/>
-            <a:ext cx="5961060" cy="3966754"/>
+            <a:off x="2753069" y="1391683"/>
+            <a:ext cx="6685862" cy="4443060"/>
           </a:xfrm>
           <a:prstGeom prst="rect">
             <a:avLst/>
@@ -12625,7 +12490,7 @@
       </p:pic>
       <p:pic>
         <p:nvPicPr>
-          <p:cNvPr id="8" name="Picture 7"/>
+          <p:cNvPr id="9" name="Picture 8"/>
           <p:cNvPicPr>
             <a:picLocks noChangeAspect="1"/>
           </p:cNvPicPr>
@@ -12650,20 +12515,20 @@
     </p:spTree>
     <p:extLst>
       <p:ext uri="{BB962C8B-B14F-4D97-AF65-F5344CB8AC3E}">
-        <p14:creationId xmlns:p14="http://schemas.microsoft.com/office/powerpoint/2010/main" val="695436077"/>
+        <p14:creationId xmlns:p14="http://schemas.microsoft.com/office/powerpoint/2010/main" val="824071389"/>
       </p:ext>
     </p:extLst>
   </p:cSld>
   <p:clrMapOvr>
     <a:masterClrMapping/>
   </p:clrMapOvr>
-  <mc:AlternateContent xmlns:mc="http://schemas.openxmlformats.org/markup-compatibility/2006">
-    <mc:Choice xmlns:p14="http://schemas.microsoft.com/office/powerpoint/2010/main" Requires="p14">
+  <mc:AlternateContent xmlns:mc="http://schemas.openxmlformats.org/markup-compatibility/2006" xmlns:p14="http://schemas.microsoft.com/office/powerpoint/2010/main">
+    <mc:Choice Requires="p14">
       <p:transition spd="med" p14:dur="700">
         <p:fade/>
       </p:transition>
     </mc:Choice>
-    <mc:Fallback>
+    <mc:Fallback xmlns="">
       <p:transition spd="med">
         <p:fade/>
       </p:transition>
@@ -12816,13 +12681,12 @@
               <a:rPr lang="en-US" sz="1200" dirty="0"/>
               <a:t>Real Estate Pricing Trend Over the Years Based on Suburbs and Property Type</a:t>
             </a:r>
-            <a:endParaRPr lang="en-US" sz="1200" dirty="0"/>
           </a:p>
         </p:txBody>
       </p:sp>
       <p:pic>
         <p:nvPicPr>
-          <p:cNvPr id="3" name="Picture 2"/>
+          <p:cNvPr id="2" name="Picture 1"/>
           <p:cNvPicPr>
             <a:picLocks noChangeAspect="1"/>
           </p:cNvPicPr>
@@ -12836,8 +12700,8 @@
         </p:blipFill>
         <p:spPr>
           <a:xfrm>
-            <a:off x="2753069" y="1391683"/>
-            <a:ext cx="6685862" cy="4443060"/>
+            <a:off x="2647407" y="1323599"/>
+            <a:ext cx="6897186" cy="4579228"/>
           </a:xfrm>
           <a:prstGeom prst="rect">
             <a:avLst/>
@@ -12846,7 +12710,7 @@
       </p:pic>
       <p:pic>
         <p:nvPicPr>
-          <p:cNvPr id="9" name="Picture 8"/>
+          <p:cNvPr id="8" name="Picture 7"/>
           <p:cNvPicPr>
             <a:picLocks noChangeAspect="1"/>
           </p:cNvPicPr>
@@ -12871,20 +12735,20 @@
     </p:spTree>
     <p:extLst>
       <p:ext uri="{BB962C8B-B14F-4D97-AF65-F5344CB8AC3E}">
-        <p14:creationId xmlns:p14="http://schemas.microsoft.com/office/powerpoint/2010/main" val="824071389"/>
+        <p14:creationId xmlns:p14="http://schemas.microsoft.com/office/powerpoint/2010/main" val="275168036"/>
       </p:ext>
     </p:extLst>
   </p:cSld>
   <p:clrMapOvr>
     <a:masterClrMapping/>
   </p:clrMapOvr>
-  <mc:AlternateContent xmlns:mc="http://schemas.openxmlformats.org/markup-compatibility/2006">
-    <mc:Choice xmlns:p14="http://schemas.microsoft.com/office/powerpoint/2010/main" Requires="p14">
+  <mc:AlternateContent xmlns:mc="http://schemas.openxmlformats.org/markup-compatibility/2006" xmlns:p14="http://schemas.microsoft.com/office/powerpoint/2010/main">
+    <mc:Choice Requires="p14">
       <p:transition spd="med" p14:dur="700">
         <p:fade/>
       </p:transition>
     </mc:Choice>
-    <mc:Fallback>
+    <mc:Fallback xmlns="">
       <p:transition spd="med">
         <p:fade/>
       </p:transition>
@@ -13037,7 +12901,6 @@
               <a:rPr lang="en-US" sz="1200" dirty="0"/>
               <a:t>Real Estate Pricing Trend Over the Years Based on Suburbs and Property Type</a:t>
             </a:r>
-            <a:endParaRPr lang="en-US" sz="1200" dirty="0"/>
           </a:p>
         </p:txBody>
       </p:sp>
@@ -13057,8 +12920,8 @@
         </p:blipFill>
         <p:spPr>
           <a:xfrm>
-            <a:off x="2647407" y="1323599"/>
-            <a:ext cx="6897186" cy="4579228"/>
+            <a:off x="2847703" y="1455585"/>
+            <a:ext cx="6496594" cy="4315256"/>
           </a:xfrm>
           <a:prstGeom prst="rect">
             <a:avLst/>
@@ -13092,20 +12955,20 @@
     </p:spTree>
     <p:extLst>
       <p:ext uri="{BB962C8B-B14F-4D97-AF65-F5344CB8AC3E}">
-        <p14:creationId xmlns:p14="http://schemas.microsoft.com/office/powerpoint/2010/main" val="275168036"/>
+        <p14:creationId xmlns:p14="http://schemas.microsoft.com/office/powerpoint/2010/main" val="1887767257"/>
       </p:ext>
     </p:extLst>
   </p:cSld>
   <p:clrMapOvr>
     <a:masterClrMapping/>
   </p:clrMapOvr>
-  <mc:AlternateContent xmlns:mc="http://schemas.openxmlformats.org/markup-compatibility/2006">
-    <mc:Choice xmlns:p14="http://schemas.microsoft.com/office/powerpoint/2010/main" Requires="p14">
+  <mc:AlternateContent xmlns:mc="http://schemas.openxmlformats.org/markup-compatibility/2006" xmlns:p14="http://schemas.microsoft.com/office/powerpoint/2010/main">
+    <mc:Choice Requires="p14">
       <p:transition spd="med" p14:dur="700">
         <p:fade/>
       </p:transition>
     </mc:Choice>
-    <mc:Fallback>
+    <mc:Fallback xmlns="">
       <p:transition spd="med">
         <p:fade/>
       </p:transition>
@@ -13256,15 +13119,14 @@
           <a:p>
             <a:r>
               <a:rPr lang="en-US" sz="1200" dirty="0"/>
-              <a:t>Real Estate Pricing Trend Over the Years Based on Suburbs and Property Type</a:t>
-            </a:r>
-            <a:endParaRPr lang="en-US" sz="1200" dirty="0"/>
+              <a:t>Ideal Houses in Top 5 Suburbs with the Highest House Sales Throughout 2007 to 2019</a:t>
+            </a:r>
           </a:p>
         </p:txBody>
       </p:sp>
       <p:pic>
         <p:nvPicPr>
-          <p:cNvPr id="2" name="Picture 1"/>
+          <p:cNvPr id="3" name="Picture 2"/>
           <p:cNvPicPr>
             <a:picLocks noChangeAspect="1"/>
           </p:cNvPicPr>
@@ -13278,8 +13140,8 @@
         </p:blipFill>
         <p:spPr>
           <a:xfrm>
-            <a:off x="2847703" y="1455585"/>
-            <a:ext cx="6496594" cy="4315256"/>
+            <a:off x="507076" y="1503561"/>
+            <a:ext cx="4668614" cy="4219304"/>
           </a:xfrm>
           <a:prstGeom prst="rect">
             <a:avLst/>
@@ -13288,7 +13150,7 @@
       </p:pic>
       <p:pic>
         <p:nvPicPr>
-          <p:cNvPr id="8" name="Picture 7"/>
+          <p:cNvPr id="7" name="Picture 6"/>
           <p:cNvPicPr>
             <a:picLocks noChangeAspect="1"/>
           </p:cNvPicPr>
@@ -13302,8 +13164,8 @@
         </p:blipFill>
         <p:spPr>
           <a:xfrm>
-            <a:off x="507076" y="5100575"/>
-            <a:ext cx="762000" cy="552450"/>
+            <a:off x="5584915" y="1503560"/>
+            <a:ext cx="4727022" cy="4257167"/>
           </a:xfrm>
           <a:prstGeom prst="rect">
             <a:avLst/>
@@ -13313,20 +13175,20 @@
     </p:spTree>
     <p:extLst>
       <p:ext uri="{BB962C8B-B14F-4D97-AF65-F5344CB8AC3E}">
-        <p14:creationId xmlns:p14="http://schemas.microsoft.com/office/powerpoint/2010/main" val="1887767257"/>
+        <p14:creationId xmlns:p14="http://schemas.microsoft.com/office/powerpoint/2010/main" val="344896784"/>
       </p:ext>
     </p:extLst>
   </p:cSld>
   <p:clrMapOvr>
     <a:masterClrMapping/>
   </p:clrMapOvr>
-  <mc:AlternateContent xmlns:mc="http://schemas.openxmlformats.org/markup-compatibility/2006">
-    <mc:Choice xmlns:p14="http://schemas.microsoft.com/office/powerpoint/2010/main" Requires="p14">
+  <mc:AlternateContent xmlns:mc="http://schemas.openxmlformats.org/markup-compatibility/2006" xmlns:p14="http://schemas.microsoft.com/office/powerpoint/2010/main">
+    <mc:Choice Requires="p14">
       <p:transition spd="med" p14:dur="700">
         <p:fade/>
       </p:transition>
     </mc:Choice>
-    <mc:Fallback>
+    <mc:Fallback xmlns="">
       <p:transition spd="med">
         <p:fade/>
       </p:transition>
@@ -13479,13 +13341,12 @@
               <a:rPr lang="en-US" sz="1200" dirty="0"/>
               <a:t>Ideal Houses in Top 5 Suburbs with the Highest House Sales Throughout 2007 to 2019</a:t>
             </a:r>
-            <a:endParaRPr lang="en-US" sz="1200" dirty="0"/>
           </a:p>
         </p:txBody>
       </p:sp>
       <p:pic>
         <p:nvPicPr>
-          <p:cNvPr id="3" name="Picture 2"/>
+          <p:cNvPr id="2" name="Picture 1"/>
           <p:cNvPicPr>
             <a:picLocks noChangeAspect="1"/>
           </p:cNvPicPr>
@@ -13499,8 +13360,8 @@
         </p:blipFill>
         <p:spPr>
           <a:xfrm>
-            <a:off x="507076" y="1503561"/>
-            <a:ext cx="4668614" cy="4219304"/>
+            <a:off x="580801" y="1631262"/>
+            <a:ext cx="4406538" cy="3963902"/>
           </a:xfrm>
           <a:prstGeom prst="rect">
             <a:avLst/>
@@ -13509,7 +13370,7 @@
       </p:pic>
       <p:pic>
         <p:nvPicPr>
-          <p:cNvPr id="7" name="Picture 6"/>
+          <p:cNvPr id="8" name="Picture 7"/>
           <p:cNvPicPr>
             <a:picLocks noChangeAspect="1"/>
           </p:cNvPicPr>
@@ -13523,8 +13384,8 @@
         </p:blipFill>
         <p:spPr>
           <a:xfrm>
-            <a:off x="5584915" y="1503560"/>
-            <a:ext cx="4727022" cy="4257167"/>
+            <a:off x="5559618" y="1631261"/>
+            <a:ext cx="4411695" cy="3993115"/>
           </a:xfrm>
           <a:prstGeom prst="rect">
             <a:avLst/>
@@ -13534,20 +13395,20 @@
     </p:spTree>
     <p:extLst>
       <p:ext uri="{BB962C8B-B14F-4D97-AF65-F5344CB8AC3E}">
-        <p14:creationId xmlns:p14="http://schemas.microsoft.com/office/powerpoint/2010/main" val="344896784"/>
+        <p14:creationId xmlns:p14="http://schemas.microsoft.com/office/powerpoint/2010/main" val="3232503542"/>
       </p:ext>
     </p:extLst>
   </p:cSld>
   <p:clrMapOvr>
     <a:masterClrMapping/>
   </p:clrMapOvr>
-  <mc:AlternateContent xmlns:mc="http://schemas.openxmlformats.org/markup-compatibility/2006">
-    <mc:Choice xmlns:p14="http://schemas.microsoft.com/office/powerpoint/2010/main" Requires="p14">
+  <mc:AlternateContent xmlns:mc="http://schemas.openxmlformats.org/markup-compatibility/2006" xmlns:p14="http://schemas.microsoft.com/office/powerpoint/2010/main">
+    <mc:Choice Requires="p14">
       <p:transition spd="med" p14:dur="700">
         <p:fade/>
       </p:transition>
     </mc:Choice>
-    <mc:Fallback>
+    <mc:Fallback xmlns="">
       <p:transition spd="med">
         <p:fade/>
       </p:transition>
@@ -13700,7 +13561,6 @@
               <a:rPr lang="en-US" sz="1200" dirty="0"/>
               <a:t>Ideal Houses in Top 5 Suburbs with the Highest House Sales Throughout 2007 to 2019</a:t>
             </a:r>
-            <a:endParaRPr lang="en-US" sz="1200" dirty="0"/>
           </a:p>
         </p:txBody>
       </p:sp>
@@ -13720,32 +13580,8 @@
         </p:blipFill>
         <p:spPr>
           <a:xfrm>
-            <a:off x="580801" y="1631262"/>
-            <a:ext cx="4406538" cy="3963902"/>
-          </a:xfrm>
-          <a:prstGeom prst="rect">
-            <a:avLst/>
-          </a:prstGeom>
-        </p:spPr>
-      </p:pic>
-      <p:pic>
-        <p:nvPicPr>
-          <p:cNvPr id="8" name="Picture 7"/>
-          <p:cNvPicPr>
-            <a:picLocks noChangeAspect="1"/>
-          </p:cNvPicPr>
-          <p:nvPr/>
-        </p:nvPicPr>
-        <p:blipFill>
-          <a:blip r:embed="rId3"/>
-          <a:stretch>
-            <a:fillRect/>
-          </a:stretch>
-        </p:blipFill>
-        <p:spPr>
-          <a:xfrm>
-            <a:off x="5559618" y="1631261"/>
-            <a:ext cx="4411695" cy="3993115"/>
+            <a:off x="548640" y="1585971"/>
+            <a:ext cx="4511040" cy="4054484"/>
           </a:xfrm>
           <a:prstGeom prst="rect">
             <a:avLst/>
@@ -13755,20 +13591,20 @@
     </p:spTree>
     <p:extLst>
       <p:ext uri="{BB962C8B-B14F-4D97-AF65-F5344CB8AC3E}">
-        <p14:creationId xmlns:p14="http://schemas.microsoft.com/office/powerpoint/2010/main" val="3232503542"/>
+        <p14:creationId xmlns:p14="http://schemas.microsoft.com/office/powerpoint/2010/main" val="1371639036"/>
       </p:ext>
     </p:extLst>
   </p:cSld>
   <p:clrMapOvr>
     <a:masterClrMapping/>
   </p:clrMapOvr>
-  <mc:AlternateContent xmlns:mc="http://schemas.openxmlformats.org/markup-compatibility/2006">
-    <mc:Choice xmlns:p14="http://schemas.microsoft.com/office/powerpoint/2010/main" Requires="p14">
+  <mc:AlternateContent xmlns:mc="http://schemas.openxmlformats.org/markup-compatibility/2006" xmlns:p14="http://schemas.microsoft.com/office/powerpoint/2010/main">
+    <mc:Choice Requires="p14">
       <p:transition spd="med" p14:dur="700">
         <p:fade/>
       </p:transition>
     </mc:Choice>
-    <mc:Fallback>
+    <mc:Fallback xmlns="">
       <p:transition spd="med">
         <p:fade/>
       </p:transition>
@@ -13977,13 +13813,6 @@
               </a:rPr>
               <a:t>5M (for analysis and visualization)</a:t>
             </a:r>
-            <a:endParaRPr lang="en-US" b="1" dirty="0">
-              <a:solidFill>
-                <a:schemeClr val="accent1">
-                  <a:lumMod val="75000"/>
-                </a:schemeClr>
-              </a:solidFill>
-            </a:endParaRPr>
           </a:p>
         </p:txBody>
       </p:sp>
@@ -13997,13 +13826,13 @@
   <p:clrMapOvr>
     <a:masterClrMapping/>
   </p:clrMapOvr>
-  <mc:AlternateContent xmlns:mc="http://schemas.openxmlformats.org/markup-compatibility/2006">
-    <mc:Choice xmlns:p14="http://schemas.microsoft.com/office/powerpoint/2010/main" Requires="p14">
+  <mc:AlternateContent xmlns:mc="http://schemas.openxmlformats.org/markup-compatibility/2006" xmlns:p14="http://schemas.microsoft.com/office/powerpoint/2010/main">
+    <mc:Choice Requires="p14">
       <p:transition spd="med" p14:dur="700">
         <p:fade/>
       </p:transition>
     </mc:Choice>
-    <mc:Fallback>
+    <mc:Fallback xmlns="">
       <p:transition spd="med">
         <p:fade/>
       </p:transition>
@@ -14139,7 +13968,7 @@
         <p:spPr>
           <a:xfrm>
             <a:off x="508461" y="447092"/>
-            <a:ext cx="4551219" cy="461665"/>
+            <a:ext cx="4272545" cy="461665"/>
           </a:xfrm>
           <a:prstGeom prst="rect">
             <a:avLst/>
@@ -14154,15 +13983,14 @@
           <a:p>
             <a:r>
               <a:rPr lang="en-US" sz="1200" dirty="0"/>
-              <a:t>Ideal Houses in Top 5 Suburbs with the Highest House Sales Throughout 2007 to 2019</a:t>
-            </a:r>
-            <a:endParaRPr lang="en-US" sz="1200" dirty="0"/>
+              <a:t>Ideal Units in Top 5 Suburbs with the Highest Unit Sales Throughout 2007 to 2019</a:t>
+            </a:r>
           </a:p>
         </p:txBody>
       </p:sp>
       <p:pic>
         <p:nvPicPr>
-          <p:cNvPr id="2" name="Picture 1"/>
+          <p:cNvPr id="7" name="Picture 6"/>
           <p:cNvPicPr>
             <a:picLocks noChangeAspect="1"/>
           </p:cNvPicPr>
@@ -14176,8 +14004,32 @@
         </p:blipFill>
         <p:spPr>
           <a:xfrm>
-            <a:off x="548640" y="1585971"/>
-            <a:ext cx="4511040" cy="4054484"/>
+            <a:off x="6096000" y="1347103"/>
+            <a:ext cx="4906566" cy="4419598"/>
+          </a:xfrm>
+          <a:prstGeom prst="rect">
+            <a:avLst/>
+          </a:prstGeom>
+        </p:spPr>
+      </p:pic>
+      <p:pic>
+        <p:nvPicPr>
+          <p:cNvPr id="8" name="Picture 7"/>
+          <p:cNvPicPr>
+            <a:picLocks noChangeAspect="1"/>
+          </p:cNvPicPr>
+          <p:nvPr/>
+        </p:nvPicPr>
+        <p:blipFill>
+          <a:blip r:embed="rId3"/>
+          <a:stretch>
+            <a:fillRect/>
+          </a:stretch>
+        </p:blipFill>
+        <p:spPr>
+          <a:xfrm>
+            <a:off x="507076" y="1347103"/>
+            <a:ext cx="4896796" cy="4419598"/>
           </a:xfrm>
           <a:prstGeom prst="rect">
             <a:avLst/>
@@ -14187,20 +14039,20 @@
     </p:spTree>
     <p:extLst>
       <p:ext uri="{BB962C8B-B14F-4D97-AF65-F5344CB8AC3E}">
-        <p14:creationId xmlns:p14="http://schemas.microsoft.com/office/powerpoint/2010/main" val="1371639036"/>
+        <p14:creationId xmlns:p14="http://schemas.microsoft.com/office/powerpoint/2010/main" val="4041167552"/>
       </p:ext>
     </p:extLst>
   </p:cSld>
   <p:clrMapOvr>
     <a:masterClrMapping/>
   </p:clrMapOvr>
-  <mc:AlternateContent xmlns:mc="http://schemas.openxmlformats.org/markup-compatibility/2006">
-    <mc:Choice xmlns:p14="http://schemas.microsoft.com/office/powerpoint/2010/main" Requires="p14">
+  <mc:AlternateContent xmlns:mc="http://schemas.openxmlformats.org/markup-compatibility/2006" xmlns:p14="http://schemas.microsoft.com/office/powerpoint/2010/main">
+    <mc:Choice Requires="p14">
       <p:transition spd="med" p14:dur="700">
         <p:fade/>
       </p:transition>
     </mc:Choice>
-    <mc:Fallback>
+    <mc:Fallback xmlns="">
       <p:transition spd="med">
         <p:fade/>
       </p:transition>
@@ -14353,13 +14205,12 @@
               <a:rPr lang="en-US" sz="1200" dirty="0"/>
               <a:t>Ideal Units in Top 5 Suburbs with the Highest Unit Sales Throughout 2007 to 2019</a:t>
             </a:r>
-            <a:endParaRPr lang="en-US" sz="1200" dirty="0"/>
           </a:p>
         </p:txBody>
       </p:sp>
       <p:pic>
         <p:nvPicPr>
-          <p:cNvPr id="7" name="Picture 6"/>
+          <p:cNvPr id="2" name="Picture 1"/>
           <p:cNvPicPr>
             <a:picLocks noChangeAspect="1"/>
           </p:cNvPicPr>
@@ -14373,8 +14224,8 @@
         </p:blipFill>
         <p:spPr>
           <a:xfrm>
-            <a:off x="6096000" y="1347103"/>
-            <a:ext cx="4906566" cy="4419598"/>
+            <a:off x="507076" y="1397393"/>
+            <a:ext cx="4888814" cy="4431640"/>
           </a:xfrm>
           <a:prstGeom prst="rect">
             <a:avLst/>
@@ -14383,7 +14234,7 @@
       </p:pic>
       <p:pic>
         <p:nvPicPr>
-          <p:cNvPr id="8" name="Picture 7"/>
+          <p:cNvPr id="3" name="Picture 2"/>
           <p:cNvPicPr>
             <a:picLocks noChangeAspect="1"/>
           </p:cNvPicPr>
@@ -14397,8 +14248,8 @@
         </p:blipFill>
         <p:spPr>
           <a:xfrm>
-            <a:off x="507076" y="1347103"/>
-            <a:ext cx="4896796" cy="4419598"/>
+            <a:off x="5819701" y="1397393"/>
+            <a:ext cx="4911733" cy="4431640"/>
           </a:xfrm>
           <a:prstGeom prst="rect">
             <a:avLst/>
@@ -14408,20 +14259,20 @@
     </p:spTree>
     <p:extLst>
       <p:ext uri="{BB962C8B-B14F-4D97-AF65-F5344CB8AC3E}">
-        <p14:creationId xmlns:p14="http://schemas.microsoft.com/office/powerpoint/2010/main" val="4041167552"/>
+        <p14:creationId xmlns:p14="http://schemas.microsoft.com/office/powerpoint/2010/main" val="2349814182"/>
       </p:ext>
     </p:extLst>
   </p:cSld>
   <p:clrMapOvr>
     <a:masterClrMapping/>
   </p:clrMapOvr>
-  <mc:AlternateContent xmlns:mc="http://schemas.openxmlformats.org/markup-compatibility/2006">
-    <mc:Choice xmlns:p14="http://schemas.microsoft.com/office/powerpoint/2010/main" Requires="p14">
+  <mc:AlternateContent xmlns:mc="http://schemas.openxmlformats.org/markup-compatibility/2006" xmlns:p14="http://schemas.microsoft.com/office/powerpoint/2010/main">
+    <mc:Choice Requires="p14">
       <p:transition spd="med" p14:dur="700">
         <p:fade/>
       </p:transition>
     </mc:Choice>
-    <mc:Fallback>
+    <mc:Fallback xmlns="">
       <p:transition spd="med">
         <p:fade/>
       </p:transition>
@@ -14574,7 +14425,6 @@
               <a:rPr lang="en-US" sz="1200" dirty="0"/>
               <a:t>Ideal Units in Top 5 Suburbs with the Highest Unit Sales Throughout 2007 to 2019</a:t>
             </a:r>
-            <a:endParaRPr lang="en-US" sz="1200" dirty="0"/>
           </a:p>
         </p:txBody>
       </p:sp>
@@ -14594,32 +14444,8 @@
         </p:blipFill>
         <p:spPr>
           <a:xfrm>
-            <a:off x="507076" y="1397393"/>
-            <a:ext cx="4888814" cy="4431640"/>
-          </a:xfrm>
-          <a:prstGeom prst="rect">
-            <a:avLst/>
-          </a:prstGeom>
-        </p:spPr>
-      </p:pic>
-      <p:pic>
-        <p:nvPicPr>
-          <p:cNvPr id="3" name="Picture 2"/>
-          <p:cNvPicPr>
-            <a:picLocks noChangeAspect="1"/>
-          </p:cNvPicPr>
-          <p:nvPr/>
-        </p:nvPicPr>
-        <p:blipFill>
-          <a:blip r:embed="rId3"/>
-          <a:stretch>
-            <a:fillRect/>
-          </a:stretch>
-        </p:blipFill>
-        <p:spPr>
-          <a:xfrm>
-            <a:off x="5819701" y="1397393"/>
-            <a:ext cx="4911733" cy="4431640"/>
+            <a:off x="538942" y="1326652"/>
+            <a:ext cx="4876800" cy="4378868"/>
           </a:xfrm>
           <a:prstGeom prst="rect">
             <a:avLst/>
@@ -14629,20 +14455,20 @@
     </p:spTree>
     <p:extLst>
       <p:ext uri="{BB962C8B-B14F-4D97-AF65-F5344CB8AC3E}">
-        <p14:creationId xmlns:p14="http://schemas.microsoft.com/office/powerpoint/2010/main" val="2349814182"/>
+        <p14:creationId xmlns:p14="http://schemas.microsoft.com/office/powerpoint/2010/main" val="2112475136"/>
       </p:ext>
     </p:extLst>
   </p:cSld>
   <p:clrMapOvr>
     <a:masterClrMapping/>
   </p:clrMapOvr>
-  <mc:AlternateContent xmlns:mc="http://schemas.openxmlformats.org/markup-compatibility/2006">
-    <mc:Choice xmlns:p14="http://schemas.microsoft.com/office/powerpoint/2010/main" Requires="p14">
+  <mc:AlternateContent xmlns:mc="http://schemas.openxmlformats.org/markup-compatibility/2006" xmlns:p14="http://schemas.microsoft.com/office/powerpoint/2010/main">
+    <mc:Choice Requires="p14">
       <p:transition spd="med" p14:dur="700">
         <p:fade/>
       </p:transition>
     </mc:Choice>
-    <mc:Fallback>
+    <mc:Fallback xmlns="">
       <p:transition spd="med">
         <p:fade/>
       </p:transition>
@@ -14778,7 +14604,7 @@
         <p:spPr>
           <a:xfrm>
             <a:off x="508461" y="447092"/>
-            <a:ext cx="4272545" cy="461665"/>
+            <a:ext cx="4856019" cy="461665"/>
           </a:xfrm>
           <a:prstGeom prst="rect">
             <a:avLst/>
@@ -14793,9 +14619,8 @@
           <a:p>
             <a:r>
               <a:rPr lang="en-US" sz="1200" dirty="0"/>
-              <a:t>Ideal Units in Top 5 Suburbs with the Highest Unit Sales Throughout 2007 to 2019</a:t>
-            </a:r>
-            <a:endParaRPr lang="en-US" sz="1200" dirty="0"/>
+              <a:t>Ranking of Postal Codes in Canberra Solely Based on Real Estate Sales Throughout the Period</a:t>
+            </a:r>
           </a:p>
         </p:txBody>
       </p:sp>
@@ -14815,8 +14640,8 @@
         </p:blipFill>
         <p:spPr>
           <a:xfrm>
-            <a:off x="538942" y="1326652"/>
-            <a:ext cx="4876800" cy="4378868"/>
+            <a:off x="2427317" y="1198189"/>
+            <a:ext cx="7337366" cy="4830048"/>
           </a:xfrm>
           <a:prstGeom prst="rect">
             <a:avLst/>
@@ -14826,20 +14651,20 @@
     </p:spTree>
     <p:extLst>
       <p:ext uri="{BB962C8B-B14F-4D97-AF65-F5344CB8AC3E}">
-        <p14:creationId xmlns:p14="http://schemas.microsoft.com/office/powerpoint/2010/main" val="2112475136"/>
+        <p14:creationId xmlns:p14="http://schemas.microsoft.com/office/powerpoint/2010/main" val="2526446914"/>
       </p:ext>
     </p:extLst>
   </p:cSld>
   <p:clrMapOvr>
     <a:masterClrMapping/>
   </p:clrMapOvr>
-  <mc:AlternateContent xmlns:mc="http://schemas.openxmlformats.org/markup-compatibility/2006">
-    <mc:Choice xmlns:p14="http://schemas.microsoft.com/office/powerpoint/2010/main" Requires="p14">
+  <mc:AlternateContent xmlns:mc="http://schemas.openxmlformats.org/markup-compatibility/2006" xmlns:p14="http://schemas.microsoft.com/office/powerpoint/2010/main">
+    <mc:Choice Requires="p14">
       <p:transition spd="med" p14:dur="700">
         <p:fade/>
       </p:transition>
     </mc:Choice>
-    <mc:Fallback>
+    <mc:Fallback xmlns="">
       <p:transition spd="med">
         <p:fade/>
       </p:transition>
@@ -14975,7 +14800,7 @@
         <p:spPr>
           <a:xfrm>
             <a:off x="508461" y="447092"/>
-            <a:ext cx="4856019" cy="461665"/>
+            <a:ext cx="5587539" cy="461665"/>
           </a:xfrm>
           <a:prstGeom prst="rect">
             <a:avLst/>
@@ -14990,9 +14815,8 @@
           <a:p>
             <a:r>
               <a:rPr lang="en-US" sz="1200" dirty="0"/>
-              <a:t>Ranking of Postal Codes in Canberra Solely Based on Real Estate Sales Throughout the Period</a:t>
-            </a:r>
-            <a:endParaRPr lang="en-US" sz="1200" dirty="0"/>
+              <a:t>Distribution of Postal Codes Real Estate Sales Throughout the Period in Canberra Based on Property Type</a:t>
+            </a:r>
           </a:p>
         </p:txBody>
       </p:sp>
@@ -15012,8 +14836,8 @@
         </p:blipFill>
         <p:spPr>
           <a:xfrm>
-            <a:off x="2427317" y="1198189"/>
-            <a:ext cx="7337366" cy="4830048"/>
+            <a:off x="2847703" y="1313157"/>
+            <a:ext cx="6496594" cy="4600112"/>
           </a:xfrm>
           <a:prstGeom prst="rect">
             <a:avLst/>
@@ -15023,20 +14847,20 @@
     </p:spTree>
     <p:extLst>
       <p:ext uri="{BB962C8B-B14F-4D97-AF65-F5344CB8AC3E}">
-        <p14:creationId xmlns:p14="http://schemas.microsoft.com/office/powerpoint/2010/main" val="2526446914"/>
+        <p14:creationId xmlns:p14="http://schemas.microsoft.com/office/powerpoint/2010/main" val="2413035590"/>
       </p:ext>
     </p:extLst>
   </p:cSld>
   <p:clrMapOvr>
     <a:masterClrMapping/>
   </p:clrMapOvr>
-  <mc:AlternateContent xmlns:mc="http://schemas.openxmlformats.org/markup-compatibility/2006">
-    <mc:Choice xmlns:p14="http://schemas.microsoft.com/office/powerpoint/2010/main" Requires="p14">
+  <mc:AlternateContent xmlns:mc="http://schemas.openxmlformats.org/markup-compatibility/2006" xmlns:p14="http://schemas.microsoft.com/office/powerpoint/2010/main">
+    <mc:Choice Requires="p14">
       <p:transition spd="med" p14:dur="700">
         <p:fade/>
       </p:transition>
     </mc:Choice>
-    <mc:Fallback>
+    <mc:Fallback xmlns="">
       <p:transition spd="med">
         <p:fade/>
       </p:transition>
@@ -15172,7 +14996,7 @@
         <p:spPr>
           <a:xfrm>
             <a:off x="508461" y="447092"/>
-            <a:ext cx="5587539" cy="461665"/>
+            <a:ext cx="4856019" cy="461665"/>
           </a:xfrm>
           <a:prstGeom prst="rect">
             <a:avLst/>
@@ -15187,9 +15011,8 @@
           <a:p>
             <a:r>
               <a:rPr lang="en-US" sz="1200" dirty="0"/>
-              <a:t>Distribution of Postal Codes Real Estate Sales Throughout the Period in Canberra Based on Property Type</a:t>
-            </a:r>
-            <a:endParaRPr lang="en-US" sz="1200" dirty="0"/>
+              <a:t>20 Suburbs with the Highest Amount of Real Estate Sales Grouped By Their Property Type</a:t>
+            </a:r>
           </a:p>
         </p:txBody>
       </p:sp>
@@ -15209,8 +15032,32 @@
         </p:blipFill>
         <p:spPr>
           <a:xfrm>
-            <a:off x="2847703" y="1313157"/>
-            <a:ext cx="6496594" cy="4600112"/>
+            <a:off x="507077" y="3234690"/>
+            <a:ext cx="6477198" cy="757182"/>
+          </a:xfrm>
+          <a:prstGeom prst="rect">
+            <a:avLst/>
+          </a:prstGeom>
+        </p:spPr>
+      </p:pic>
+      <p:pic>
+        <p:nvPicPr>
+          <p:cNvPr id="3" name="Picture 2"/>
+          <p:cNvPicPr>
+            <a:picLocks noChangeAspect="1"/>
+          </p:cNvPicPr>
+          <p:nvPr/>
+        </p:nvPicPr>
+        <p:blipFill>
+          <a:blip r:embed="rId3"/>
+          <a:stretch>
+            <a:fillRect/>
+          </a:stretch>
+        </p:blipFill>
+        <p:spPr>
+          <a:xfrm>
+            <a:off x="7649957" y="1129116"/>
+            <a:ext cx="2208148" cy="4968330"/>
           </a:xfrm>
           <a:prstGeom prst="rect">
             <a:avLst/>
@@ -15220,20 +15067,20 @@
     </p:spTree>
     <p:extLst>
       <p:ext uri="{BB962C8B-B14F-4D97-AF65-F5344CB8AC3E}">
-        <p14:creationId xmlns:p14="http://schemas.microsoft.com/office/powerpoint/2010/main" val="2413035590"/>
+        <p14:creationId xmlns:p14="http://schemas.microsoft.com/office/powerpoint/2010/main" val="197452803"/>
       </p:ext>
     </p:extLst>
   </p:cSld>
   <p:clrMapOvr>
     <a:masterClrMapping/>
   </p:clrMapOvr>
-  <mc:AlternateContent xmlns:mc="http://schemas.openxmlformats.org/markup-compatibility/2006">
-    <mc:Choice xmlns:p14="http://schemas.microsoft.com/office/powerpoint/2010/main" Requires="p14">
+  <mc:AlternateContent xmlns:mc="http://schemas.openxmlformats.org/markup-compatibility/2006" xmlns:p14="http://schemas.microsoft.com/office/powerpoint/2010/main">
+    <mc:Choice Requires="p14">
       <p:transition spd="med" p14:dur="700">
         <p:fade/>
       </p:transition>
     </mc:Choice>
-    <mc:Fallback>
+    <mc:Fallback xmlns="">
       <p:transition spd="med">
         <p:fade/>
       </p:transition>
@@ -15369,7 +15216,7 @@
         <p:spPr>
           <a:xfrm>
             <a:off x="508461" y="447092"/>
-            <a:ext cx="4856019" cy="461665"/>
+            <a:ext cx="5587539" cy="276999"/>
           </a:xfrm>
           <a:prstGeom prst="rect">
             <a:avLst/>
@@ -15384,15 +15231,14 @@
           <a:p>
             <a:r>
               <a:rPr lang="en-US" sz="1200" dirty="0"/>
-              <a:t>20 Suburbs with the Highest Amount of Real Estate Sales Grouped By Their Property Type</a:t>
-            </a:r>
-            <a:endParaRPr lang="en-US" sz="1200" dirty="0"/>
+              <a:t>Parking Lots and Price Relationship</a:t>
+            </a:r>
           </a:p>
         </p:txBody>
       </p:sp>
       <p:pic>
         <p:nvPicPr>
-          <p:cNvPr id="2" name="Picture 1"/>
+          <p:cNvPr id="7" name="Picture 6"/>
           <p:cNvPicPr>
             <a:picLocks noChangeAspect="1"/>
           </p:cNvPicPr>
@@ -15406,32 +15252,8 @@
         </p:blipFill>
         <p:spPr>
           <a:xfrm>
-            <a:off x="507077" y="3234690"/>
-            <a:ext cx="6477198" cy="757182"/>
-          </a:xfrm>
-          <a:prstGeom prst="rect">
-            <a:avLst/>
-          </a:prstGeom>
-        </p:spPr>
-      </p:pic>
-      <p:pic>
-        <p:nvPicPr>
-          <p:cNvPr id="3" name="Picture 2"/>
-          <p:cNvPicPr>
-            <a:picLocks noChangeAspect="1"/>
-          </p:cNvPicPr>
-          <p:nvPr/>
-        </p:nvPicPr>
-        <p:blipFill>
-          <a:blip r:embed="rId3"/>
-          <a:stretch>
-            <a:fillRect/>
-          </a:stretch>
-        </p:blipFill>
-        <p:spPr>
-          <a:xfrm>
-            <a:off x="7649957" y="1129116"/>
-            <a:ext cx="2208148" cy="4968330"/>
+            <a:off x="2427317" y="1063249"/>
+            <a:ext cx="7506788" cy="4731502"/>
           </a:xfrm>
           <a:prstGeom prst="rect">
             <a:avLst/>
@@ -15441,20 +15263,20 @@
     </p:spTree>
     <p:extLst>
       <p:ext uri="{BB962C8B-B14F-4D97-AF65-F5344CB8AC3E}">
-        <p14:creationId xmlns:p14="http://schemas.microsoft.com/office/powerpoint/2010/main" val="197452803"/>
+        <p14:creationId xmlns:p14="http://schemas.microsoft.com/office/powerpoint/2010/main" val="232322768"/>
       </p:ext>
     </p:extLst>
   </p:cSld>
   <p:clrMapOvr>
     <a:masterClrMapping/>
   </p:clrMapOvr>
-  <mc:AlternateContent xmlns:mc="http://schemas.openxmlformats.org/markup-compatibility/2006">
-    <mc:Choice xmlns:p14="http://schemas.microsoft.com/office/powerpoint/2010/main" Requires="p14">
+  <mc:AlternateContent xmlns:mc="http://schemas.openxmlformats.org/markup-compatibility/2006" xmlns:p14="http://schemas.microsoft.com/office/powerpoint/2010/main">
+    <mc:Choice Requires="p14">
       <p:transition spd="med" p14:dur="700">
         <p:fade/>
       </p:transition>
     </mc:Choice>
-    <mc:Fallback>
+    <mc:Fallback xmlns="">
       <p:transition spd="med">
         <p:fade/>
       </p:transition>
@@ -15605,15 +15427,14 @@
           <a:p>
             <a:r>
               <a:rPr lang="en-US" sz="1200" dirty="0"/>
-              <a:t>Parking Lots and Price Relationship</a:t>
-            </a:r>
-            <a:endParaRPr lang="en-US" sz="1200" dirty="0"/>
+              <a:t>Bathrooms and Price Relationship</a:t>
+            </a:r>
           </a:p>
         </p:txBody>
       </p:sp>
       <p:pic>
         <p:nvPicPr>
-          <p:cNvPr id="7" name="Picture 6"/>
+          <p:cNvPr id="2" name="Picture 1"/>
           <p:cNvPicPr>
             <a:picLocks noChangeAspect="1"/>
           </p:cNvPicPr>
@@ -15627,8 +15448,8 @@
         </p:blipFill>
         <p:spPr>
           <a:xfrm>
-            <a:off x="2427317" y="1063249"/>
-            <a:ext cx="7506788" cy="4731502"/>
+            <a:off x="2499361" y="1080098"/>
+            <a:ext cx="7193278" cy="4697804"/>
           </a:xfrm>
           <a:prstGeom prst="rect">
             <a:avLst/>
@@ -15638,20 +15459,20 @@
     </p:spTree>
     <p:extLst>
       <p:ext uri="{BB962C8B-B14F-4D97-AF65-F5344CB8AC3E}">
-        <p14:creationId xmlns:p14="http://schemas.microsoft.com/office/powerpoint/2010/main" val="232322768"/>
+        <p14:creationId xmlns:p14="http://schemas.microsoft.com/office/powerpoint/2010/main" val="3017974580"/>
       </p:ext>
     </p:extLst>
   </p:cSld>
   <p:clrMapOvr>
     <a:masterClrMapping/>
   </p:clrMapOvr>
-  <mc:AlternateContent xmlns:mc="http://schemas.openxmlformats.org/markup-compatibility/2006">
-    <mc:Choice xmlns:p14="http://schemas.microsoft.com/office/powerpoint/2010/main" Requires="p14">
+  <mc:AlternateContent xmlns:mc="http://schemas.openxmlformats.org/markup-compatibility/2006" xmlns:p14="http://schemas.microsoft.com/office/powerpoint/2010/main">
+    <mc:Choice Requires="p14">
       <p:transition spd="med" p14:dur="700">
         <p:fade/>
       </p:transition>
     </mc:Choice>
-    <mc:Fallback>
+    <mc:Fallback xmlns="">
       <p:transition spd="med">
         <p:fade/>
       </p:transition>
@@ -15802,9 +15623,8 @@
           <a:p>
             <a:r>
               <a:rPr lang="en-US" sz="1200" dirty="0"/>
-              <a:t>Bathrooms and Price Relationship</a:t>
-            </a:r>
-            <a:endParaRPr lang="en-US" sz="1200" dirty="0"/>
+              <a:t>Bedrooms and Price Relationship</a:t>
+            </a:r>
           </a:p>
         </p:txBody>
       </p:sp>
@@ -15824,8 +15644,8 @@
         </p:blipFill>
         <p:spPr>
           <a:xfrm>
-            <a:off x="2499361" y="1080098"/>
-            <a:ext cx="7193278" cy="4697804"/>
+            <a:off x="2760617" y="1270875"/>
+            <a:ext cx="6670766" cy="4500010"/>
           </a:xfrm>
           <a:prstGeom prst="rect">
             <a:avLst/>
@@ -15835,20 +15655,20 @@
     </p:spTree>
     <p:extLst>
       <p:ext uri="{BB962C8B-B14F-4D97-AF65-F5344CB8AC3E}">
-        <p14:creationId xmlns:p14="http://schemas.microsoft.com/office/powerpoint/2010/main" val="3017974580"/>
+        <p14:creationId xmlns:p14="http://schemas.microsoft.com/office/powerpoint/2010/main" val="4277334299"/>
       </p:ext>
     </p:extLst>
   </p:cSld>
   <p:clrMapOvr>
     <a:masterClrMapping/>
   </p:clrMapOvr>
-  <mc:AlternateContent xmlns:mc="http://schemas.openxmlformats.org/markup-compatibility/2006">
-    <mc:Choice xmlns:p14="http://schemas.microsoft.com/office/powerpoint/2010/main" Requires="p14">
+  <mc:AlternateContent xmlns:mc="http://schemas.openxmlformats.org/markup-compatibility/2006" xmlns:p14="http://schemas.microsoft.com/office/powerpoint/2010/main">
+    <mc:Choice Requires="p14">
       <p:transition spd="med" p14:dur="700">
         <p:fade/>
       </p:transition>
     </mc:Choice>
-    <mc:Fallback>
+    <mc:Fallback xmlns="">
       <p:transition spd="med">
         <p:fade/>
       </p:transition>
@@ -15998,8 +15818,8 @@
           <a:lstStyle/>
           <a:p>
             <a:r>
-              <a:rPr lang="en-US" sz="1200" dirty="0"/>
-              <a:t>Bedrooms and Price Relationship</a:t>
+              <a:rPr lang="en-US" sz="1200" dirty="0" smtClean="0"/>
+              <a:t>Conclusion</a:t>
             </a:r>
             <a:endParaRPr lang="en-US" sz="1200" dirty="0"/>
           </a:p>
@@ -16007,7 +15827,7 @@
       </p:sp>
       <p:pic>
         <p:nvPicPr>
-          <p:cNvPr id="2" name="Picture 1"/>
+          <p:cNvPr id="3" name="Picture 2"/>
           <p:cNvPicPr>
             <a:picLocks noChangeAspect="1"/>
           </p:cNvPicPr>
@@ -16021,31 +15841,117 @@
         </p:blipFill>
         <p:spPr>
           <a:xfrm>
-            <a:off x="2760617" y="1270875"/>
-            <a:ext cx="6670766" cy="4500010"/>
+            <a:off x="538944" y="1231046"/>
+            <a:ext cx="4876798" cy="4579668"/>
           </a:xfrm>
           <a:prstGeom prst="rect">
             <a:avLst/>
           </a:prstGeom>
         </p:spPr>
       </p:pic>
+      <p:sp>
+        <p:nvSpPr>
+          <p:cNvPr id="7" name="Rectangle 6"/>
+          <p:cNvSpPr/>
+          <p:nvPr/>
+        </p:nvSpPr>
+        <p:spPr>
+          <a:xfrm>
+            <a:off x="6096000" y="1674220"/>
+            <a:ext cx="4946864" cy="3693319"/>
+          </a:xfrm>
+          <a:prstGeom prst="rect">
+            <a:avLst/>
+          </a:prstGeom>
+        </p:spPr>
+        <p:txBody>
+          <a:bodyPr wrap="square">
+            <a:spAutoFit/>
+          </a:bodyPr>
+          <a:lstStyle/>
+          <a:p>
+            <a:r>
+              <a:rPr lang="en-US" dirty="0"/>
+              <a:t>It can be seen through this heat map that </a:t>
+            </a:r>
+            <a:r>
+              <a:rPr lang="en-US" b="1" dirty="0">
+                <a:solidFill>
+                  <a:schemeClr val="accent1">
+                    <a:lumMod val="75000"/>
+                  </a:schemeClr>
+                </a:solidFill>
+              </a:rPr>
+              <a:t>bedrooms</a:t>
+            </a:r>
+            <a:r>
+              <a:rPr lang="en-US" dirty="0"/>
+              <a:t> and </a:t>
+            </a:r>
+            <a:r>
+              <a:rPr lang="en-US" b="1" dirty="0">
+                <a:solidFill>
+                  <a:schemeClr val="accent1">
+                    <a:lumMod val="75000"/>
+                  </a:schemeClr>
+                </a:solidFill>
+              </a:rPr>
+              <a:t>bathrooms</a:t>
+            </a:r>
+            <a:r>
+              <a:rPr lang="en-US" dirty="0"/>
+              <a:t> are the top two features with the highest correlation value with the price. Meanwhile, parking and the rest of the features have fairly moderate and relatively low correlation values</a:t>
+            </a:r>
+            <a:r>
+              <a:rPr lang="en-US" dirty="0" smtClean="0"/>
+              <a:t>.</a:t>
+            </a:r>
+          </a:p>
+          <a:p>
+            <a:endParaRPr lang="en-US" dirty="0"/>
+          </a:p>
+          <a:p>
+            <a:r>
+              <a:rPr lang="en-US" dirty="0"/>
+              <a:t>In addition, the </a:t>
+            </a:r>
+            <a:r>
+              <a:rPr lang="en-US" b="1" dirty="0">
+                <a:solidFill>
+                  <a:schemeClr val="accent1">
+                    <a:lumMod val="75000"/>
+                  </a:schemeClr>
+                </a:solidFill>
+              </a:rPr>
+              <a:t>exact day and month </a:t>
+            </a:r>
+            <a:r>
+              <a:rPr lang="en-US" dirty="0"/>
+              <a:t>when the property was sold has no implication to the price of the property. On the other hand, the year when the property was sold and the location of the property that is conveyed through postal code have minor implications to the price.</a:t>
+            </a:r>
+            <a:endParaRPr lang="en-US" b="0" i="0" dirty="0">
+              <a:effectLst/>
+            </a:endParaRPr>
+          </a:p>
+        </p:txBody>
+      </p:sp>
     </p:spTree>
     <p:extLst>
       <p:ext uri="{BB962C8B-B14F-4D97-AF65-F5344CB8AC3E}">
-        <p14:creationId xmlns:p14="http://schemas.microsoft.com/office/powerpoint/2010/main" val="4277334299"/>
+        <p14:creationId xmlns:p14="http://schemas.microsoft.com/office/powerpoint/2010/main" val="1168001113"/>
       </p:ext>
     </p:extLst>
   </p:cSld>
   <p:clrMapOvr>
     <a:masterClrMapping/>
   </p:clrMapOvr>
-  <mc:AlternateContent xmlns:mc="http://schemas.openxmlformats.org/markup-compatibility/2006">
-    <mc:Choice xmlns:p14="http://schemas.microsoft.com/office/powerpoint/2010/main" Requires="p14">
+  <mc:AlternateContent xmlns:mc="http://schemas.openxmlformats.org/markup-compatibility/2006" xmlns:p14="http://schemas.microsoft.com/office/powerpoint/2010/main">
+    <mc:Choice Requires="p14">
       <p:transition spd="med" p14:dur="700">
         <p:fade/>
       </p:transition>
     </mc:Choice>
-    <mc:Fallback>
+    <mc:Fallback xmlns="">
       <p:transition spd="med">
         <p:fade/>
       </p:transition>
@@ -16258,13 +16164,6 @@
               </a:rPr>
               <a:t>- Renovators</a:t>
             </a:r>
-            <a:endParaRPr lang="en-US" b="1" dirty="0">
-              <a:solidFill>
-                <a:schemeClr val="accent1">
-                  <a:lumMod val="75000"/>
-                </a:schemeClr>
-              </a:solidFill>
-            </a:endParaRPr>
           </a:p>
         </p:txBody>
       </p:sp>
@@ -16278,296 +16177,13 @@
   <p:clrMapOvr>
     <a:masterClrMapping/>
   </p:clrMapOvr>
-  <mc:AlternateContent xmlns:mc="http://schemas.openxmlformats.org/markup-compatibility/2006">
-    <mc:Choice xmlns:p14="http://schemas.microsoft.com/office/powerpoint/2010/main" Requires="p14">
+  <mc:AlternateContent xmlns:mc="http://schemas.openxmlformats.org/markup-compatibility/2006" xmlns:p14="http://schemas.microsoft.com/office/powerpoint/2010/main">
+    <mc:Choice Requires="p14">
       <p:transition spd="med" p14:dur="700">
         <p:fade/>
       </p:transition>
     </mc:Choice>
-    <mc:Fallback>
-      <p:transition spd="med">
-        <p:fade/>
-      </p:transition>
-    </mc:Fallback>
-  </mc:AlternateContent>
-  <p:timing>
-    <p:tnLst>
-      <p:par>
-        <p:cTn id="1" dur="indefinite" restart="never" nodeType="tmRoot"/>
-      </p:par>
-    </p:tnLst>
-  </p:timing>
-</p:sld>
-</file>
-
-<file path=ppt/slides/slide60.xml><?xml version="1.0" encoding="utf-8"?>
-<p:sld xmlns:a="http://schemas.openxmlformats.org/drawingml/2006/main" xmlns:r="http://schemas.openxmlformats.org/officeDocument/2006/relationships" xmlns:p="http://schemas.openxmlformats.org/presentationml/2006/main">
-  <p:cSld>
-    <p:spTree>
-      <p:nvGrpSpPr>
-        <p:cNvPr id="1" name=""/>
-        <p:cNvGrpSpPr/>
-        <p:nvPr/>
-      </p:nvGrpSpPr>
-      <p:grpSpPr>
-        <a:xfrm>
-          <a:off x="0" y="0"/>
-          <a:ext cx="0" cy="0"/>
-          <a:chOff x="0" y="0"/>
-          <a:chExt cx="0" cy="0"/>
-        </a:xfrm>
-      </p:grpSpPr>
-      <p:sp>
-        <p:nvSpPr>
-          <p:cNvPr id="4" name="TextBox 3"/>
-          <p:cNvSpPr txBox="1"/>
-          <p:nvPr/>
-        </p:nvSpPr>
-        <p:spPr>
-          <a:xfrm>
-            <a:off x="10311937" y="6317669"/>
-            <a:ext cx="1221972" cy="276999"/>
-          </a:xfrm>
-          <a:prstGeom prst="rect">
-            <a:avLst/>
-          </a:prstGeom>
-          <a:noFill/>
-        </p:spPr>
-        <p:txBody>
-          <a:bodyPr wrap="square" rtlCol="0">
-            <a:spAutoFit/>
-          </a:bodyPr>
-          <a:lstStyle/>
-          <a:p>
-            <a:r>
-              <a:rPr lang="en-ID" sz="1200" dirty="0" smtClean="0"/>
-              <a:t>Benedict </a:t>
-            </a:r>
-            <a:r>
-              <a:rPr lang="en-ID" sz="1200" dirty="0" err="1" smtClean="0"/>
-              <a:t>Laiman</a:t>
-            </a:r>
-            <a:endParaRPr lang="en-US" sz="1200" dirty="0"/>
-          </a:p>
-        </p:txBody>
-      </p:sp>
-      <p:sp>
-        <p:nvSpPr>
-          <p:cNvPr id="5" name="TextBox 4"/>
-          <p:cNvSpPr txBox="1"/>
-          <p:nvPr/>
-        </p:nvSpPr>
-        <p:spPr>
-          <a:xfrm>
-            <a:off x="507076" y="6317670"/>
-            <a:ext cx="1305099" cy="276999"/>
-          </a:xfrm>
-          <a:prstGeom prst="rect">
-            <a:avLst/>
-          </a:prstGeom>
-          <a:noFill/>
-        </p:spPr>
-        <p:txBody>
-          <a:bodyPr wrap="square" rtlCol="0">
-            <a:spAutoFit/>
-          </a:bodyPr>
-          <a:lstStyle/>
-          <a:p>
-            <a:r>
-              <a:rPr lang="en-ID" sz="1200" dirty="0" smtClean="0"/>
-              <a:t>Canberra</a:t>
-            </a:r>
-            <a:endParaRPr lang="en-US" sz="1200" dirty="0"/>
-          </a:p>
-        </p:txBody>
-      </p:sp>
-      <p:sp>
-        <p:nvSpPr>
-          <p:cNvPr id="6" name="TextBox 5"/>
-          <p:cNvSpPr txBox="1"/>
-          <p:nvPr/>
-        </p:nvSpPr>
-        <p:spPr>
-          <a:xfrm>
-            <a:off x="2427317" y="6317669"/>
-            <a:ext cx="5976850" cy="276999"/>
-          </a:xfrm>
-          <a:prstGeom prst="rect">
-            <a:avLst/>
-          </a:prstGeom>
-          <a:noFill/>
-        </p:spPr>
-        <p:txBody>
-          <a:bodyPr wrap="square" rtlCol="0">
-            <a:spAutoFit/>
-          </a:bodyPr>
-          <a:lstStyle/>
-          <a:p>
-            <a:r>
-              <a:rPr lang="en-US" sz="1200" dirty="0" smtClean="0"/>
-              <a:t>Real Estate Sales 2007- 2019</a:t>
-            </a:r>
-            <a:endParaRPr lang="en-US" sz="1200" dirty="0"/>
-          </a:p>
-        </p:txBody>
-      </p:sp>
-      <p:sp>
-        <p:nvSpPr>
-          <p:cNvPr id="13" name="TextBox 12"/>
-          <p:cNvSpPr txBox="1"/>
-          <p:nvPr/>
-        </p:nvSpPr>
-        <p:spPr>
-          <a:xfrm>
-            <a:off x="508461" y="447092"/>
-            <a:ext cx="5587539" cy="276999"/>
-          </a:xfrm>
-          <a:prstGeom prst="rect">
-            <a:avLst/>
-          </a:prstGeom>
-          <a:noFill/>
-        </p:spPr>
-        <p:txBody>
-          <a:bodyPr wrap="square" rtlCol="0">
-            <a:spAutoFit/>
-          </a:bodyPr>
-          <a:lstStyle/>
-          <a:p>
-            <a:r>
-              <a:rPr lang="en-US" sz="1200" dirty="0" smtClean="0"/>
-              <a:t>Conclusion</a:t>
-            </a:r>
-            <a:endParaRPr lang="en-US" sz="1200" dirty="0"/>
-          </a:p>
-        </p:txBody>
-      </p:sp>
-      <p:pic>
-        <p:nvPicPr>
-          <p:cNvPr id="3" name="Picture 2"/>
-          <p:cNvPicPr>
-            <a:picLocks noChangeAspect="1"/>
-          </p:cNvPicPr>
-          <p:nvPr/>
-        </p:nvPicPr>
-        <p:blipFill>
-          <a:blip r:embed="rId2"/>
-          <a:stretch>
-            <a:fillRect/>
-          </a:stretch>
-        </p:blipFill>
-        <p:spPr>
-          <a:xfrm>
-            <a:off x="538944" y="1231046"/>
-            <a:ext cx="4876798" cy="4579668"/>
-          </a:xfrm>
-          <a:prstGeom prst="rect">
-            <a:avLst/>
-          </a:prstGeom>
-        </p:spPr>
-      </p:pic>
-      <p:sp>
-        <p:nvSpPr>
-          <p:cNvPr id="7" name="Rectangle 6"/>
-          <p:cNvSpPr/>
-          <p:nvPr/>
-        </p:nvSpPr>
-        <p:spPr>
-          <a:xfrm>
-            <a:off x="6096000" y="1674220"/>
-            <a:ext cx="4946864" cy="3693319"/>
-          </a:xfrm>
-          <a:prstGeom prst="rect">
-            <a:avLst/>
-          </a:prstGeom>
-        </p:spPr>
-        <p:txBody>
-          <a:bodyPr wrap="square">
-            <a:spAutoFit/>
-          </a:bodyPr>
-          <a:lstStyle/>
-          <a:p>
-            <a:r>
-              <a:rPr lang="en-US" dirty="0"/>
-              <a:t>It can be seen through this heat map that </a:t>
-            </a:r>
-            <a:r>
-              <a:rPr lang="en-US" b="1" dirty="0">
-                <a:solidFill>
-                  <a:schemeClr val="accent1">
-                    <a:lumMod val="75000"/>
-                  </a:schemeClr>
-                </a:solidFill>
-              </a:rPr>
-              <a:t>bedrooms</a:t>
-            </a:r>
-            <a:r>
-              <a:rPr lang="en-US" dirty="0"/>
-              <a:t> and </a:t>
-            </a:r>
-            <a:r>
-              <a:rPr lang="en-US" b="1" dirty="0">
-                <a:solidFill>
-                  <a:schemeClr val="accent1">
-                    <a:lumMod val="75000"/>
-                  </a:schemeClr>
-                </a:solidFill>
-              </a:rPr>
-              <a:t>bathrooms</a:t>
-            </a:r>
-            <a:r>
-              <a:rPr lang="en-US" dirty="0"/>
-              <a:t> are the top two features with the highest correlation value with the price. Meanwhile, parking and the rest of the features have fairly moderate and relatively low correlation values</a:t>
-            </a:r>
-            <a:r>
-              <a:rPr lang="en-US" dirty="0" smtClean="0"/>
-              <a:t>.</a:t>
-            </a:r>
-          </a:p>
-          <a:p>
-            <a:endParaRPr lang="en-US" dirty="0"/>
-          </a:p>
-          <a:p>
-            <a:r>
-              <a:rPr lang="en-US" dirty="0"/>
-              <a:t>In addition, the </a:t>
-            </a:r>
-            <a:r>
-              <a:rPr lang="en-US" b="1" dirty="0">
-                <a:solidFill>
-                  <a:schemeClr val="accent1">
-                    <a:lumMod val="75000"/>
-                  </a:schemeClr>
-                </a:solidFill>
-              </a:rPr>
-              <a:t>exact day and month </a:t>
-            </a:r>
-            <a:r>
-              <a:rPr lang="en-US" dirty="0"/>
-              <a:t>when the property was sold has no implication to the price of the property. On the other hand, the year when the property was sold and the location of the property that is conveyed through postal code have minor implications to the price.</a:t>
-            </a:r>
-            <a:endParaRPr lang="en-US" b="0" i="0" dirty="0">
-              <a:effectLst/>
-            </a:endParaRPr>
-          </a:p>
-        </p:txBody>
-      </p:sp>
-    </p:spTree>
-    <p:extLst>
-      <p:ext uri="{BB962C8B-B14F-4D97-AF65-F5344CB8AC3E}">
-        <p14:creationId xmlns:p14="http://schemas.microsoft.com/office/powerpoint/2010/main" val="1168001113"/>
-      </p:ext>
-    </p:extLst>
-  </p:cSld>
-  <p:clrMapOvr>
-    <a:masterClrMapping/>
-  </p:clrMapOvr>
-  <mc:AlternateContent xmlns:mc="http://schemas.openxmlformats.org/markup-compatibility/2006">
-    <mc:Choice xmlns:p14="http://schemas.microsoft.com/office/powerpoint/2010/main" Requires="p14">
-      <p:transition spd="med" p14:dur="700">
-        <p:fade/>
-      </p:transition>
-    </mc:Choice>
-    <mc:Fallback>
+    <mc:Fallback xmlns="">
       <p:transition spd="med">
         <p:fade/>
       </p:transition>
@@ -16652,13 +16268,13 @@
   <p:clrMapOvr>
     <a:masterClrMapping/>
   </p:clrMapOvr>
-  <mc:AlternateContent xmlns:mc="http://schemas.openxmlformats.org/markup-compatibility/2006">
-    <mc:Choice xmlns:p14="http://schemas.microsoft.com/office/powerpoint/2010/main" Requires="p14">
+  <mc:AlternateContent xmlns:mc="http://schemas.openxmlformats.org/markup-compatibility/2006" xmlns:p14="http://schemas.microsoft.com/office/powerpoint/2010/main">
+    <mc:Choice Requires="p14">
       <p:transition spd="med" p14:dur="700">
         <p:fade/>
       </p:transition>
     </mc:Choice>
-    <mc:Fallback>
+    <mc:Fallback xmlns="">
       <p:transition spd="med">
         <p:fade/>
       </p:transition>
@@ -16811,7 +16427,6 @@
               <a:rPr lang="en-US" sz="1200" dirty="0"/>
               <a:t>Descriptive Statistics of the Variables</a:t>
             </a:r>
-            <a:endParaRPr lang="en-US" sz="1200" dirty="0"/>
           </a:p>
         </p:txBody>
       </p:sp>
@@ -16873,13 +16488,13 @@
   <p:clrMapOvr>
     <a:masterClrMapping/>
   </p:clrMapOvr>
-  <mc:AlternateContent xmlns:mc="http://schemas.openxmlformats.org/markup-compatibility/2006">
-    <mc:Choice xmlns:p14="http://schemas.microsoft.com/office/powerpoint/2010/main" Requires="p14">
+  <mc:AlternateContent xmlns:mc="http://schemas.openxmlformats.org/markup-compatibility/2006" xmlns:p14="http://schemas.microsoft.com/office/powerpoint/2010/main">
+    <mc:Choice Requires="p14">
       <p:transition spd="med" p14:dur="700">
         <p:fade/>
       </p:transition>
     </mc:Choice>
-    <mc:Fallback>
+    <mc:Fallback xmlns="">
       <p:transition spd="med">
         <p:fade/>
       </p:transition>
@@ -17032,7 +16647,6 @@
               <a:rPr lang="en-US" sz="1200" dirty="0"/>
               <a:t>Descriptive Statistics of the Variables</a:t>
             </a:r>
-            <a:endParaRPr lang="en-US" sz="1200" dirty="0"/>
           </a:p>
         </p:txBody>
       </p:sp>
@@ -17094,13 +16708,13 @@
   <p:clrMapOvr>
     <a:masterClrMapping/>
   </p:clrMapOvr>
-  <mc:AlternateContent xmlns:mc="http://schemas.openxmlformats.org/markup-compatibility/2006">
-    <mc:Choice xmlns:p14="http://schemas.microsoft.com/office/powerpoint/2010/main" Requires="p14">
+  <mc:AlternateContent xmlns:mc="http://schemas.openxmlformats.org/markup-compatibility/2006" xmlns:p14="http://schemas.microsoft.com/office/powerpoint/2010/main">
+    <mc:Choice Requires="p14">
       <p:transition spd="med" p14:dur="700">
         <p:fade/>
       </p:transition>
     </mc:Choice>
-    <mc:Fallback>
+    <mc:Fallback xmlns="">
       <p:transition spd="med">
         <p:fade/>
       </p:transition>
